--- a/Präsentation_Simulation_Sonnensystem.pptx
+++ b/Präsentation_Simulation_Sonnensystem.pptx
@@ -226,7 +226,7 @@
           <a:p>
             <a:fld id="{5A65ED3D-FBFA-41FC-BE9B-39C7249806C2}" type="datetimeFigureOut">
               <a:rPr lang="de-DE" smtClean="0"/>
-              <a:t>06.02.2019</a:t>
+              <a:t>12.02.2019</a:t>
             </a:fld>
             <a:endParaRPr lang="de-DE"/>
           </a:p>
@@ -290,38 +290,37 @@
           <a:p>
             <a:pPr lvl="0"/>
             <a:r>
-              <a:rPr lang="de-DE" smtClean="0"/>
+              <a:rPr lang="de-DE"/>
               <a:t>Textmasterformat bearbeiten</a:t>
             </a:r>
           </a:p>
           <a:p>
             <a:pPr lvl="1"/>
             <a:r>
-              <a:rPr lang="de-DE" smtClean="0"/>
+              <a:rPr lang="de-DE"/>
               <a:t>Zweite Ebene</a:t>
             </a:r>
           </a:p>
           <a:p>
             <a:pPr lvl="2"/>
             <a:r>
-              <a:rPr lang="de-DE" smtClean="0"/>
+              <a:rPr lang="de-DE"/>
               <a:t>Dritte Ebene</a:t>
             </a:r>
           </a:p>
           <a:p>
             <a:pPr lvl="3"/>
             <a:r>
-              <a:rPr lang="de-DE" smtClean="0"/>
+              <a:rPr lang="de-DE"/>
               <a:t>Vierte Ebene</a:t>
             </a:r>
           </a:p>
           <a:p>
             <a:pPr lvl="4"/>
             <a:r>
-              <a:rPr lang="de-DE" smtClean="0"/>
+              <a:rPr lang="de-DE"/>
               <a:t>Fünfte Ebene</a:t>
             </a:r>
-            <a:endParaRPr lang="de-DE"/>
           </a:p>
         </p:txBody>
       </p:sp>
@@ -804,7 +803,7 @@
           <a:p>
             <a:fld id="{940A5F09-4A7D-4E92-80E6-1B1D9C87842D}" type="datetime1">
               <a:rPr lang="de-DE" smtClean="0"/>
-              <a:t>06.02.2019</a:t>
+              <a:t>12.02.2019</a:t>
             </a:fld>
             <a:endParaRPr lang="de-DE"/>
           </a:p>
@@ -1012,7 +1011,7 @@
           <a:p>
             <a:fld id="{BC27207A-9729-4586-A64E-507233D52616}" type="datetime1">
               <a:rPr lang="de-DE" smtClean="0"/>
-              <a:t>06.02.2019</a:t>
+              <a:t>12.02.2019</a:t>
             </a:fld>
             <a:endParaRPr lang="de-DE"/>
           </a:p>
@@ -1268,7 +1267,7 @@
           <a:p>
             <a:fld id="{67DAD78B-7737-4CBE-912A-67316517CFF6}" type="datetime1">
               <a:rPr lang="de-DE" smtClean="0"/>
-              <a:t>06.02.2019</a:t>
+              <a:t>12.02.2019</a:t>
             </a:fld>
             <a:endParaRPr lang="de-DE"/>
           </a:p>
@@ -1442,7 +1441,7 @@
           <a:p>
             <a:fld id="{FBD30F71-F7C4-4EC9-8CDB-B2C108E08D33}" type="datetime1">
               <a:rPr lang="de-DE" smtClean="0"/>
-              <a:t>06.02.2019</a:t>
+              <a:t>12.02.2019</a:t>
             </a:fld>
             <a:endParaRPr lang="de-DE"/>
           </a:p>
@@ -1785,7 +1784,7 @@
           <a:p>
             <a:fld id="{09DDB458-FAAF-4548-A126-059BEDBC9EDF}" type="datetime1">
               <a:rPr lang="de-DE" smtClean="0"/>
-              <a:t>06.02.2019</a:t>
+              <a:t>12.02.2019</a:t>
             </a:fld>
             <a:endParaRPr lang="de-DE"/>
           </a:p>
@@ -2060,7 +2059,7 @@
           <a:p>
             <a:fld id="{56C9E151-DD2E-4C06-8DD2-357DEA3761A2}" type="datetime1">
               <a:rPr lang="de-DE" smtClean="0"/>
-              <a:t>06.02.2019</a:t>
+              <a:t>12.02.2019</a:t>
             </a:fld>
             <a:endParaRPr lang="de-DE"/>
           </a:p>
@@ -2439,7 +2438,7 @@
           <a:p>
             <a:fld id="{457DEB12-AE15-461B-B81F-B8AC2D27A20F}" type="datetime1">
               <a:rPr lang="de-DE" smtClean="0"/>
-              <a:t>06.02.2019</a:t>
+              <a:t>12.02.2019</a:t>
             </a:fld>
             <a:endParaRPr lang="de-DE"/>
           </a:p>
@@ -2557,7 +2556,7 @@
           <a:p>
             <a:fld id="{EA098727-9AB3-4A21-94C4-2B075C3D7B96}" type="datetime1">
               <a:rPr lang="de-DE" smtClean="0"/>
-              <a:t>06.02.2019</a:t>
+              <a:t>12.02.2019</a:t>
             </a:fld>
             <a:endParaRPr lang="de-DE"/>
           </a:p>
@@ -2728,7 +2727,7 @@
           <a:p>
             <a:fld id="{BA78F425-933D-4F88-8915-5152A18BCADE}" type="datetime1">
               <a:rPr lang="de-DE" smtClean="0"/>
-              <a:t>06.02.2019</a:t>
+              <a:t>12.02.2019</a:t>
             </a:fld>
             <a:endParaRPr lang="de-DE"/>
           </a:p>
@@ -3082,7 +3081,7 @@
           <a:p>
             <a:fld id="{3B2DFD41-6387-4695-B54C-45DAA8E3D882}" type="datetime1">
               <a:rPr lang="de-DE" smtClean="0"/>
-              <a:t>06.02.2019</a:t>
+              <a:t>12.02.2019</a:t>
             </a:fld>
             <a:endParaRPr lang="de-DE"/>
           </a:p>
@@ -3464,7 +3463,7 @@
           <a:p>
             <a:fld id="{3417863D-46CF-4100-A9EF-A84B7A1A1F00}" type="datetime1">
               <a:rPr lang="de-DE" smtClean="0"/>
-              <a:t>06.02.2019</a:t>
+              <a:t>12.02.2019</a:t>
             </a:fld>
             <a:endParaRPr lang="de-DE"/>
           </a:p>
@@ -3751,7 +3750,7 @@
           <a:p>
             <a:fld id="{8D13306F-8AB8-4A88-8A31-6B3D24B131CF}" type="datetime1">
               <a:rPr lang="de-DE" smtClean="0"/>
-              <a:t>06.02.2019</a:t>
+              <a:t>12.02.2019</a:t>
             </a:fld>
             <a:endParaRPr lang="de-DE"/>
           </a:p>
@@ -4281,7 +4280,7 @@
           <p:cNvPr id="2" name="Titel 1">
             <a:extLst>
               <a:ext uri="{FF2B5EF4-FFF2-40B4-BE49-F238E27FC236}">
-                <a16:creationId xmlns:a16="http://schemas.microsoft.com/office/drawing/2014/main" xmlns="" id="{33EBFFFD-14FA-4C80-ABE8-8CCD333EE16B}"/>
+                <a16:creationId xmlns:a16="http://schemas.microsoft.com/office/drawing/2014/main" id="{33EBFFFD-14FA-4C80-ABE8-8CCD333EE16B}"/>
               </a:ext>
             </a:extLst>
           </p:cNvPr>
@@ -4314,7 +4313,7 @@
           <p:cNvPr id="3" name="Untertitel 2">
             <a:extLst>
               <a:ext uri="{FF2B5EF4-FFF2-40B4-BE49-F238E27FC236}">
-                <a16:creationId xmlns:a16="http://schemas.microsoft.com/office/drawing/2014/main" xmlns="" id="{4416947C-715C-4A2D-924A-F17C0BAD0DC0}"/>
+                <a16:creationId xmlns:a16="http://schemas.microsoft.com/office/drawing/2014/main" id="{4416947C-715C-4A2D-924A-F17C0BAD0DC0}"/>
               </a:ext>
             </a:extLst>
           </p:cNvPr>
@@ -4415,13 +4414,6 @@
   <p:clrMapOvr>
     <a:masterClrMapping/>
   </p:clrMapOvr>
-  <p:timing>
-    <p:tnLst>
-      <p:par>
-        <p:cTn id="1" dur="indefinite" restart="never" nodeType="tmRoot"/>
-      </p:par>
-    </p:tnLst>
-  </p:timing>
 </p:sld>
 </file>
 
@@ -4447,7 +4439,7 @@
           <p:cNvPr id="2" name="Titel 1">
             <a:extLst>
               <a:ext uri="{FF2B5EF4-FFF2-40B4-BE49-F238E27FC236}">
-                <a16:creationId xmlns:a16="http://schemas.microsoft.com/office/drawing/2014/main" xmlns="" id="{F13E0713-AB48-471E-8395-53A35199A25A}"/>
+                <a16:creationId xmlns:a16="http://schemas.microsoft.com/office/drawing/2014/main" id="{F13E0713-AB48-471E-8395-53A35199A25A}"/>
               </a:ext>
             </a:extLst>
           </p:cNvPr>
@@ -4475,7 +4467,7 @@
           <p:cNvPr id="4" name="Inhaltsplatzhalter 4">
             <a:extLst>
               <a:ext uri="{FF2B5EF4-FFF2-40B4-BE49-F238E27FC236}">
-                <a16:creationId xmlns:a16="http://schemas.microsoft.com/office/drawing/2014/main" xmlns="" id="{291F4B1B-4CC2-4DDE-902F-864D97535ED5}"/>
+                <a16:creationId xmlns:a16="http://schemas.microsoft.com/office/drawing/2014/main" id="{291F4B1B-4CC2-4DDE-902F-864D97535ED5}"/>
               </a:ext>
             </a:extLst>
           </p:cNvPr>
@@ -4511,7 +4503,7 @@
           <p:cNvPr id="5" name="Grafik 4">
             <a:extLst>
               <a:ext uri="{FF2B5EF4-FFF2-40B4-BE49-F238E27FC236}">
-                <a16:creationId xmlns:a16="http://schemas.microsoft.com/office/drawing/2014/main" xmlns="" id="{7C88E6DB-EB10-4CB9-813A-34DFA3A1ABDF}"/>
+                <a16:creationId xmlns:a16="http://schemas.microsoft.com/office/drawing/2014/main" id="{7C88E6DB-EB10-4CB9-813A-34DFA3A1ABDF}"/>
               </a:ext>
             </a:extLst>
           </p:cNvPr>
@@ -4575,13 +4567,6 @@
   <p:clrMapOvr>
     <a:masterClrMapping/>
   </p:clrMapOvr>
-  <p:timing>
-    <p:tnLst>
-      <p:par>
-        <p:cTn id="1" dur="indefinite" restart="never" nodeType="tmRoot"/>
-      </p:par>
-    </p:tnLst>
-  </p:timing>
 </p:sld>
 </file>
 
@@ -4607,7 +4592,7 @@
           <p:cNvPr id="2" name="Titel 1">
             <a:extLst>
               <a:ext uri="{FF2B5EF4-FFF2-40B4-BE49-F238E27FC236}">
-                <a16:creationId xmlns:a16="http://schemas.microsoft.com/office/drawing/2014/main" xmlns="" id="{8936B36D-583F-46D6-89EC-D4356E037F85}"/>
+                <a16:creationId xmlns:a16="http://schemas.microsoft.com/office/drawing/2014/main" id="{8936B36D-583F-46D6-89EC-D4356E037F85}"/>
               </a:ext>
             </a:extLst>
           </p:cNvPr>
@@ -4635,7 +4620,7 @@
           <p:cNvPr id="3" name="Inhaltsplatzhalter 2">
             <a:extLst>
               <a:ext uri="{FF2B5EF4-FFF2-40B4-BE49-F238E27FC236}">
-                <a16:creationId xmlns:a16="http://schemas.microsoft.com/office/drawing/2014/main" xmlns="" id="{711D8B92-76A7-4998-B341-9AC583436B7C}"/>
+                <a16:creationId xmlns:a16="http://schemas.microsoft.com/office/drawing/2014/main" id="{711D8B92-76A7-4998-B341-9AC583436B7C}"/>
               </a:ext>
             </a:extLst>
           </p:cNvPr>
@@ -4672,7 +4657,7 @@
           <p:cNvPr id="4" name="Inhaltsplatzhalter 4">
             <a:extLst>
               <a:ext uri="{FF2B5EF4-FFF2-40B4-BE49-F238E27FC236}">
-                <a16:creationId xmlns:a16="http://schemas.microsoft.com/office/drawing/2014/main" xmlns="" id="{439954A9-A0B7-44BB-8670-8D2D0B4EBE18}"/>
+                <a16:creationId xmlns:a16="http://schemas.microsoft.com/office/drawing/2014/main" id="{439954A9-A0B7-44BB-8670-8D2D0B4EBE18}"/>
               </a:ext>
             </a:extLst>
           </p:cNvPr>
@@ -4736,13 +4721,6 @@
   <p:clrMapOvr>
     <a:masterClrMapping/>
   </p:clrMapOvr>
-  <p:timing>
-    <p:tnLst>
-      <p:par>
-        <p:cTn id="1" dur="indefinite" restart="never" nodeType="tmRoot"/>
-      </p:par>
-    </p:tnLst>
-  </p:timing>
 </p:sld>
 </file>
 
@@ -4768,7 +4746,7 @@
           <p:cNvPr id="2" name="Titel 1">
             <a:extLst>
               <a:ext uri="{FF2B5EF4-FFF2-40B4-BE49-F238E27FC236}">
-                <a16:creationId xmlns:a16="http://schemas.microsoft.com/office/drawing/2014/main" xmlns="" id="{CB56E28E-8051-45D1-8B90-2D2DA49AC07C}"/>
+                <a16:creationId xmlns:a16="http://schemas.microsoft.com/office/drawing/2014/main" id="{CB56E28E-8051-45D1-8B90-2D2DA49AC07C}"/>
               </a:ext>
             </a:extLst>
           </p:cNvPr>
@@ -4796,7 +4774,7 @@
           <p:cNvPr id="3" name="Inhaltsplatzhalter 2">
             <a:extLst>
               <a:ext uri="{FF2B5EF4-FFF2-40B4-BE49-F238E27FC236}">
-                <a16:creationId xmlns:a16="http://schemas.microsoft.com/office/drawing/2014/main" xmlns="" id="{A788712B-8AE9-4352-A77D-D0676CED2A3C}"/>
+                <a16:creationId xmlns:a16="http://schemas.microsoft.com/office/drawing/2014/main" id="{A788712B-8AE9-4352-A77D-D0676CED2A3C}"/>
               </a:ext>
             </a:extLst>
           </p:cNvPr>
@@ -4847,7 +4825,7 @@
           <p:cNvPr id="4" name="Grafik 3">
             <a:extLst>
               <a:ext uri="{FF2B5EF4-FFF2-40B4-BE49-F238E27FC236}">
-                <a16:creationId xmlns:a16="http://schemas.microsoft.com/office/drawing/2014/main" xmlns="" id="{BFB4F82F-0041-4C49-9172-44B4EDA085F6}"/>
+                <a16:creationId xmlns:a16="http://schemas.microsoft.com/office/drawing/2014/main" id="{BFB4F82F-0041-4C49-9172-44B4EDA085F6}"/>
               </a:ext>
             </a:extLst>
           </p:cNvPr>
@@ -4911,13 +4889,6 @@
   <p:clrMapOvr>
     <a:masterClrMapping/>
   </p:clrMapOvr>
-  <p:timing>
-    <p:tnLst>
-      <p:par>
-        <p:cTn id="1" dur="indefinite" restart="never" nodeType="tmRoot"/>
-      </p:par>
-    </p:tnLst>
-  </p:timing>
 </p:sld>
 </file>
 
@@ -4943,7 +4914,7 @@
           <p:cNvPr id="2" name="Titel 1">
             <a:extLst>
               <a:ext uri="{FF2B5EF4-FFF2-40B4-BE49-F238E27FC236}">
-                <a16:creationId xmlns:a16="http://schemas.microsoft.com/office/drawing/2014/main" xmlns="" id="{AF999897-E2A4-47FC-A235-7CD966EB509A}"/>
+                <a16:creationId xmlns:a16="http://schemas.microsoft.com/office/drawing/2014/main" id="{AF999897-E2A4-47FC-A235-7CD966EB509A}"/>
               </a:ext>
             </a:extLst>
           </p:cNvPr>
@@ -4971,7 +4942,7 @@
           <p:cNvPr id="4" name="Inhaltsplatzhalter 4">
             <a:extLst>
               <a:ext uri="{FF2B5EF4-FFF2-40B4-BE49-F238E27FC236}">
-                <a16:creationId xmlns:a16="http://schemas.microsoft.com/office/drawing/2014/main" xmlns="" id="{A4DDF90A-5D17-49E4-8B61-3887B2AB2C8B}"/>
+                <a16:creationId xmlns:a16="http://schemas.microsoft.com/office/drawing/2014/main" id="{A4DDF90A-5D17-49E4-8B61-3887B2AB2C8B}"/>
               </a:ext>
             </a:extLst>
           </p:cNvPr>
@@ -5006,7 +4977,7 @@
           <p:cNvPr id="5" name="Grafik 4">
             <a:extLst>
               <a:ext uri="{FF2B5EF4-FFF2-40B4-BE49-F238E27FC236}">
-                <a16:creationId xmlns:a16="http://schemas.microsoft.com/office/drawing/2014/main" xmlns="" id="{0B2618BB-52EE-4D5C-A735-EF5B7C958479}"/>
+                <a16:creationId xmlns:a16="http://schemas.microsoft.com/office/drawing/2014/main" id="{0B2618BB-52EE-4D5C-A735-EF5B7C958479}"/>
               </a:ext>
             </a:extLst>
           </p:cNvPr>
@@ -5070,13 +5041,6 @@
   <p:clrMapOvr>
     <a:masterClrMapping/>
   </p:clrMapOvr>
-  <p:timing>
-    <p:tnLst>
-      <p:par>
-        <p:cTn id="1" dur="indefinite" restart="never" nodeType="tmRoot"/>
-      </p:par>
-    </p:tnLst>
-  </p:timing>
 </p:sld>
 </file>
 
@@ -5102,7 +5066,7 @@
           <p:cNvPr id="2" name="Titel 1">
             <a:extLst>
               <a:ext uri="{FF2B5EF4-FFF2-40B4-BE49-F238E27FC236}">
-                <a16:creationId xmlns:a16="http://schemas.microsoft.com/office/drawing/2014/main" xmlns="" id="{528EFA4A-682B-4D0C-A349-59E27EAADC02}"/>
+                <a16:creationId xmlns:a16="http://schemas.microsoft.com/office/drawing/2014/main" id="{528EFA4A-682B-4D0C-A349-59E27EAADC02}"/>
               </a:ext>
             </a:extLst>
           </p:cNvPr>
@@ -5130,7 +5094,7 @@
           <p:cNvPr id="3" name="Inhaltsplatzhalter 2">
             <a:extLst>
               <a:ext uri="{FF2B5EF4-FFF2-40B4-BE49-F238E27FC236}">
-                <a16:creationId xmlns:a16="http://schemas.microsoft.com/office/drawing/2014/main" xmlns="" id="{9B59C435-4F43-40EF-A4A0-845434CB5367}"/>
+                <a16:creationId xmlns:a16="http://schemas.microsoft.com/office/drawing/2014/main" id="{9B59C435-4F43-40EF-A4A0-845434CB5367}"/>
               </a:ext>
             </a:extLst>
           </p:cNvPr>
@@ -5187,7 +5151,7 @@
           <p:cNvPr id="4" name="Grafik 3">
             <a:extLst>
               <a:ext uri="{FF2B5EF4-FFF2-40B4-BE49-F238E27FC236}">
-                <a16:creationId xmlns:a16="http://schemas.microsoft.com/office/drawing/2014/main" xmlns="" id="{08CAFD06-E2F7-418B-BBC3-2E14617256EF}"/>
+                <a16:creationId xmlns:a16="http://schemas.microsoft.com/office/drawing/2014/main" id="{08CAFD06-E2F7-418B-BBC3-2E14617256EF}"/>
               </a:ext>
             </a:extLst>
           </p:cNvPr>
@@ -5251,13 +5215,6 @@
   <p:clrMapOvr>
     <a:masterClrMapping/>
   </p:clrMapOvr>
-  <p:timing>
-    <p:tnLst>
-      <p:par>
-        <p:cTn id="1" dur="indefinite" restart="never" nodeType="tmRoot"/>
-      </p:par>
-    </p:tnLst>
-  </p:timing>
 </p:sld>
 </file>
 
@@ -5283,7 +5240,7 @@
           <p:cNvPr id="4" name="Grafik 3">
             <a:extLst>
               <a:ext uri="{FF2B5EF4-FFF2-40B4-BE49-F238E27FC236}">
-                <a16:creationId xmlns:a16="http://schemas.microsoft.com/office/drawing/2014/main" xmlns="" id="{21BBF382-990F-4B63-91BA-FAC48CFF97FA}"/>
+                <a16:creationId xmlns:a16="http://schemas.microsoft.com/office/drawing/2014/main" id="{21BBF382-990F-4B63-91BA-FAC48CFF97FA}"/>
               </a:ext>
             </a:extLst>
           </p:cNvPr>
@@ -5313,7 +5270,7 @@
           <p:cNvPr id="2" name="Titel 1">
             <a:extLst>
               <a:ext uri="{FF2B5EF4-FFF2-40B4-BE49-F238E27FC236}">
-                <a16:creationId xmlns:a16="http://schemas.microsoft.com/office/drawing/2014/main" xmlns="" id="{42C7900E-ADA3-492B-9B10-61FE62ECAF16}"/>
+                <a16:creationId xmlns:a16="http://schemas.microsoft.com/office/drawing/2014/main" id="{42C7900E-ADA3-492B-9B10-61FE62ECAF16}"/>
               </a:ext>
             </a:extLst>
           </p:cNvPr>
@@ -5343,7 +5300,7 @@
               <p:cNvPr id="3" name="Inhaltsplatzhalter 2">
                 <a:extLst>
                   <a:ext uri="{FF2B5EF4-FFF2-40B4-BE49-F238E27FC236}">
-                    <a16:creationId xmlns:a16="http://schemas.microsoft.com/office/drawing/2014/main" xmlns="" id="{2B956305-ED2D-4F15-8B20-611DA4D5CBF5}"/>
+                    <a16:creationId xmlns:a16="http://schemas.microsoft.com/office/drawing/2014/main" id="{2B956305-ED2D-4F15-8B20-611DA4D5CBF5}"/>
                   </a:ext>
                 </a:extLst>
               </p:cNvPr>
@@ -5592,7 +5549,7 @@
               <p:cNvPr id="5" name="Rechteck 4">
                 <a:extLst>
                   <a:ext uri="{FF2B5EF4-FFF2-40B4-BE49-F238E27FC236}">
-                    <a16:creationId xmlns:a16="http://schemas.microsoft.com/office/drawing/2014/main" xmlns="" id="{3AD3C72B-C35D-4B45-88D3-78D9A870C6B1}"/>
+                    <a16:creationId xmlns:a16="http://schemas.microsoft.com/office/drawing/2014/main" id="{3AD3C72B-C35D-4B45-88D3-78D9A870C6B1}"/>
                   </a:ext>
                 </a:extLst>
               </p:cNvPr>
@@ -5827,7 +5784,7 @@
               <p:cNvPr id="6" name="Rechteck 5">
                 <a:extLst>
                   <a:ext uri="{FF2B5EF4-FFF2-40B4-BE49-F238E27FC236}">
-                    <a16:creationId xmlns:a16="http://schemas.microsoft.com/office/drawing/2014/main" xmlns="" id="{D05A27B2-D8CF-4F6C-9B8B-1B753FF916D4}"/>
+                    <a16:creationId xmlns:a16="http://schemas.microsoft.com/office/drawing/2014/main" id="{D05A27B2-D8CF-4F6C-9B8B-1B753FF916D4}"/>
                   </a:ext>
                 </a:extLst>
               </p:cNvPr>
@@ -6016,13 +5973,6 @@
   <p:clrMapOvr>
     <a:masterClrMapping/>
   </p:clrMapOvr>
-  <p:timing>
-    <p:tnLst>
-      <p:par>
-        <p:cTn id="1" dur="indefinite" restart="never" nodeType="tmRoot"/>
-      </p:par>
-    </p:tnLst>
-  </p:timing>
 </p:sld>
 </file>
 
@@ -6048,7 +5998,7 @@
           <p:cNvPr id="4" name="Grafik 3">
             <a:extLst>
               <a:ext uri="{FF2B5EF4-FFF2-40B4-BE49-F238E27FC236}">
-                <a16:creationId xmlns:a16="http://schemas.microsoft.com/office/drawing/2014/main" xmlns="" id="{B05B27BC-6DB0-49C0-AC46-AFA8CA7AD7DB}"/>
+                <a16:creationId xmlns:a16="http://schemas.microsoft.com/office/drawing/2014/main" id="{B05B27BC-6DB0-49C0-AC46-AFA8CA7AD7DB}"/>
               </a:ext>
             </a:extLst>
           </p:cNvPr>
@@ -6078,7 +6028,7 @@
           <p:cNvPr id="2" name="Titel 1">
             <a:extLst>
               <a:ext uri="{FF2B5EF4-FFF2-40B4-BE49-F238E27FC236}">
-                <a16:creationId xmlns:a16="http://schemas.microsoft.com/office/drawing/2014/main" xmlns="" id="{5A822936-64A0-4A3F-8A52-5F7EE3947714}"/>
+                <a16:creationId xmlns:a16="http://schemas.microsoft.com/office/drawing/2014/main" id="{5A822936-64A0-4A3F-8A52-5F7EE3947714}"/>
               </a:ext>
             </a:extLst>
           </p:cNvPr>
@@ -6108,7 +6058,7 @@
               <p:cNvPr id="3" name="Inhaltsplatzhalter 2">
                 <a:extLst>
                   <a:ext uri="{FF2B5EF4-FFF2-40B4-BE49-F238E27FC236}">
-                    <a16:creationId xmlns:a16="http://schemas.microsoft.com/office/drawing/2014/main" xmlns="" id="{7A1DA469-6245-46B3-B515-85E0A6A94F76}"/>
+                    <a16:creationId xmlns:a16="http://schemas.microsoft.com/office/drawing/2014/main" id="{7A1DA469-6245-46B3-B515-85E0A6A94F76}"/>
                   </a:ext>
                 </a:extLst>
               </p:cNvPr>
@@ -6279,13 +6229,6 @@
   <p:clrMapOvr>
     <a:masterClrMapping/>
   </p:clrMapOvr>
-  <p:timing>
-    <p:tnLst>
-      <p:par>
-        <p:cTn id="1" dur="indefinite" restart="never" nodeType="tmRoot"/>
-      </p:par>
-    </p:tnLst>
-  </p:timing>
 </p:sld>
 </file>
 
@@ -6311,7 +6254,7 @@
           <p:cNvPr id="3" name="Untertitel 2">
             <a:extLst>
               <a:ext uri="{FF2B5EF4-FFF2-40B4-BE49-F238E27FC236}">
-                <a16:creationId xmlns:a16="http://schemas.microsoft.com/office/drawing/2014/main" xmlns="" id="{6DF055AC-EB51-4367-ACD1-C954B2854764}"/>
+                <a16:creationId xmlns:a16="http://schemas.microsoft.com/office/drawing/2014/main" id="{6DF055AC-EB51-4367-ACD1-C954B2854764}"/>
               </a:ext>
             </a:extLst>
           </p:cNvPr>
@@ -6375,13 +6318,6 @@
   <p:clrMapOvr>
     <a:masterClrMapping/>
   </p:clrMapOvr>
-  <p:timing>
-    <p:tnLst>
-      <p:par>
-        <p:cTn id="1" dur="indefinite" restart="never" nodeType="tmRoot"/>
-      </p:par>
-    </p:tnLst>
-  </p:timing>
 </p:sld>
 </file>
 
@@ -6407,7 +6343,7 @@
           <p:cNvPr id="2" name="Titel 1">
             <a:extLst>
               <a:ext uri="{FF2B5EF4-FFF2-40B4-BE49-F238E27FC236}">
-                <a16:creationId xmlns:a16="http://schemas.microsoft.com/office/drawing/2014/main" xmlns="" id="{5A822936-64A0-4A3F-8A52-5F7EE3947714}"/>
+                <a16:creationId xmlns:a16="http://schemas.microsoft.com/office/drawing/2014/main" id="{5A822936-64A0-4A3F-8A52-5F7EE3947714}"/>
               </a:ext>
             </a:extLst>
           </p:cNvPr>
@@ -6435,7 +6371,7 @@
           <p:cNvPr id="3" name="Inhaltsplatzhalter 2">
             <a:extLst>
               <a:ext uri="{FF2B5EF4-FFF2-40B4-BE49-F238E27FC236}">
-                <a16:creationId xmlns:a16="http://schemas.microsoft.com/office/drawing/2014/main" xmlns="" id="{7A1DA469-6245-46B3-B515-85E0A6A94F76}"/>
+                <a16:creationId xmlns:a16="http://schemas.microsoft.com/office/drawing/2014/main" id="{7A1DA469-6245-46B3-B515-85E0A6A94F76}"/>
               </a:ext>
             </a:extLst>
           </p:cNvPr>
@@ -6517,7 +6453,7 @@
           <p:cNvPr id="6" name="Grafik 5">
             <a:extLst>
               <a:ext uri="{FF2B5EF4-FFF2-40B4-BE49-F238E27FC236}">
-                <a16:creationId xmlns:a16="http://schemas.microsoft.com/office/drawing/2014/main" xmlns="" id="{6FC36FF9-2399-4769-A3C3-73ED419EDB43}"/>
+                <a16:creationId xmlns:a16="http://schemas.microsoft.com/office/drawing/2014/main" id="{6FC36FF9-2399-4769-A3C3-73ED419EDB43}"/>
               </a:ext>
             </a:extLst>
           </p:cNvPr>
@@ -6581,13 +6517,6 @@
   <p:clrMapOvr>
     <a:masterClrMapping/>
   </p:clrMapOvr>
-  <p:timing>
-    <p:tnLst>
-      <p:par>
-        <p:cTn id="1" dur="indefinite" restart="never" nodeType="tmRoot"/>
-      </p:par>
-    </p:tnLst>
-  </p:timing>
 </p:sld>
 </file>
 
@@ -6613,7 +6542,7 @@
           <p:cNvPr id="4" name="Ellipse 3">
             <a:extLst>
               <a:ext uri="{FF2B5EF4-FFF2-40B4-BE49-F238E27FC236}">
-                <a16:creationId xmlns:a16="http://schemas.microsoft.com/office/drawing/2014/main" xmlns="" id="{140C0BC4-A530-468E-9B53-3A4C8D73A68E}"/>
+                <a16:creationId xmlns:a16="http://schemas.microsoft.com/office/drawing/2014/main" id="{140C0BC4-A530-468E-9B53-3A4C8D73A68E}"/>
               </a:ext>
             </a:extLst>
           </p:cNvPr>
@@ -6657,7 +6586,7 @@
           <p:cNvPr id="8" name="Ellipse 7">
             <a:extLst>
               <a:ext uri="{FF2B5EF4-FFF2-40B4-BE49-F238E27FC236}">
-                <a16:creationId xmlns:a16="http://schemas.microsoft.com/office/drawing/2014/main" xmlns="" id="{0D129BEB-8341-47B2-86DB-31C26330D41C}"/>
+                <a16:creationId xmlns:a16="http://schemas.microsoft.com/office/drawing/2014/main" id="{0D129BEB-8341-47B2-86DB-31C26330D41C}"/>
               </a:ext>
             </a:extLst>
           </p:cNvPr>
@@ -6701,7 +6630,7 @@
           <p:cNvPr id="5" name="Ellipse 4">
             <a:extLst>
               <a:ext uri="{FF2B5EF4-FFF2-40B4-BE49-F238E27FC236}">
-                <a16:creationId xmlns:a16="http://schemas.microsoft.com/office/drawing/2014/main" xmlns="" id="{D02A94BE-24B7-4875-9DF9-7486316010D4}"/>
+                <a16:creationId xmlns:a16="http://schemas.microsoft.com/office/drawing/2014/main" id="{D02A94BE-24B7-4875-9DF9-7486316010D4}"/>
               </a:ext>
             </a:extLst>
           </p:cNvPr>
@@ -6748,7 +6677,7 @@
           <p:cNvPr id="6" name="Ellipse 5">
             <a:extLst>
               <a:ext uri="{FF2B5EF4-FFF2-40B4-BE49-F238E27FC236}">
-                <a16:creationId xmlns:a16="http://schemas.microsoft.com/office/drawing/2014/main" xmlns="" id="{CAAB70A7-5770-4DE1-B099-536204E4C1CE}"/>
+                <a16:creationId xmlns:a16="http://schemas.microsoft.com/office/drawing/2014/main" id="{CAAB70A7-5770-4DE1-B099-536204E4C1CE}"/>
               </a:ext>
             </a:extLst>
           </p:cNvPr>
@@ -6800,7 +6729,7 @@
           <p:cNvPr id="7" name="Ellipse 6">
             <a:extLst>
               <a:ext uri="{FF2B5EF4-FFF2-40B4-BE49-F238E27FC236}">
-                <a16:creationId xmlns:a16="http://schemas.microsoft.com/office/drawing/2014/main" xmlns="" id="{1238BC71-FAD5-4D0C-9259-8B6D852331F5}"/>
+                <a16:creationId xmlns:a16="http://schemas.microsoft.com/office/drawing/2014/main" id="{1238BC71-FAD5-4D0C-9259-8B6D852331F5}"/>
               </a:ext>
             </a:extLst>
           </p:cNvPr>
@@ -6846,7 +6775,7 @@
           <p:cNvPr id="10" name="Gerade Verbindung mit Pfeil 9">
             <a:extLst>
               <a:ext uri="{FF2B5EF4-FFF2-40B4-BE49-F238E27FC236}">
-                <a16:creationId xmlns:a16="http://schemas.microsoft.com/office/drawing/2014/main" xmlns="" id="{3E2918D5-3ACB-492E-86A2-202E88A8C3AE}"/>
+                <a16:creationId xmlns:a16="http://schemas.microsoft.com/office/drawing/2014/main" id="{3E2918D5-3ACB-492E-86A2-202E88A8C3AE}"/>
               </a:ext>
             </a:extLst>
           </p:cNvPr>
@@ -6885,7 +6814,7 @@
           <p:cNvPr id="12" name="Gerade Verbindung mit Pfeil 11">
             <a:extLst>
               <a:ext uri="{FF2B5EF4-FFF2-40B4-BE49-F238E27FC236}">
-                <a16:creationId xmlns:a16="http://schemas.microsoft.com/office/drawing/2014/main" xmlns="" id="{A69ED436-32D7-4DC3-8919-364DAC6AFEE7}"/>
+                <a16:creationId xmlns:a16="http://schemas.microsoft.com/office/drawing/2014/main" id="{A69ED436-32D7-4DC3-8919-364DAC6AFEE7}"/>
               </a:ext>
             </a:extLst>
           </p:cNvPr>
@@ -6926,7 +6855,7 @@
           <p:cNvPr id="14" name="Gerade Verbindung mit Pfeil 13">
             <a:extLst>
               <a:ext uri="{FF2B5EF4-FFF2-40B4-BE49-F238E27FC236}">
-                <a16:creationId xmlns:a16="http://schemas.microsoft.com/office/drawing/2014/main" xmlns="" id="{258B7A9A-005B-4225-9CA0-9C83FBF13614}"/>
+                <a16:creationId xmlns:a16="http://schemas.microsoft.com/office/drawing/2014/main" id="{258B7A9A-005B-4225-9CA0-9C83FBF13614}"/>
               </a:ext>
             </a:extLst>
           </p:cNvPr>
@@ -6967,7 +6896,7 @@
           <p:cNvPr id="23" name="Ellipse 22">
             <a:extLst>
               <a:ext uri="{FF2B5EF4-FFF2-40B4-BE49-F238E27FC236}">
-                <a16:creationId xmlns:a16="http://schemas.microsoft.com/office/drawing/2014/main" xmlns="" id="{21046CEE-8457-4D3D-BA82-476036D3B07A}"/>
+                <a16:creationId xmlns:a16="http://schemas.microsoft.com/office/drawing/2014/main" id="{21046CEE-8457-4D3D-BA82-476036D3B07A}"/>
               </a:ext>
             </a:extLst>
           </p:cNvPr>
@@ -7014,7 +6943,7 @@
           <p:cNvPr id="24" name="Ellipse 23">
             <a:extLst>
               <a:ext uri="{FF2B5EF4-FFF2-40B4-BE49-F238E27FC236}">
-                <a16:creationId xmlns:a16="http://schemas.microsoft.com/office/drawing/2014/main" xmlns="" id="{223CA4F5-9B54-4FB9-B0FF-005EABD504E1}"/>
+                <a16:creationId xmlns:a16="http://schemas.microsoft.com/office/drawing/2014/main" id="{223CA4F5-9B54-4FB9-B0FF-005EABD504E1}"/>
               </a:ext>
             </a:extLst>
           </p:cNvPr>
@@ -7060,7 +6989,7 @@
           <p:cNvPr id="25" name="Gerade Verbindung mit Pfeil 24">
             <a:extLst>
               <a:ext uri="{FF2B5EF4-FFF2-40B4-BE49-F238E27FC236}">
-                <a16:creationId xmlns:a16="http://schemas.microsoft.com/office/drawing/2014/main" xmlns="" id="{5C4D31FA-7F7B-4C6A-A211-BA8618A032D5}"/>
+                <a16:creationId xmlns:a16="http://schemas.microsoft.com/office/drawing/2014/main" id="{5C4D31FA-7F7B-4C6A-A211-BA8618A032D5}"/>
               </a:ext>
             </a:extLst>
           </p:cNvPr>
@@ -7103,7 +7032,7 @@
           <p:cNvPr id="28" name="Gerade Verbindung mit Pfeil 27">
             <a:extLst>
               <a:ext uri="{FF2B5EF4-FFF2-40B4-BE49-F238E27FC236}">
-                <a16:creationId xmlns:a16="http://schemas.microsoft.com/office/drawing/2014/main" xmlns="" id="{527C4CDB-6136-441F-884F-F087DDF07F94}"/>
+                <a16:creationId xmlns:a16="http://schemas.microsoft.com/office/drawing/2014/main" id="{527C4CDB-6136-441F-884F-F087DDF07F94}"/>
               </a:ext>
             </a:extLst>
           </p:cNvPr>
@@ -7145,7 +7074,7 @@
           <p:cNvPr id="15" name="Titel 1">
             <a:extLst>
               <a:ext uri="{FF2B5EF4-FFF2-40B4-BE49-F238E27FC236}">
-                <a16:creationId xmlns:a16="http://schemas.microsoft.com/office/drawing/2014/main" xmlns="" id="{44F202C9-FE31-4BD3-AC5A-8CD824379E06}"/>
+                <a16:creationId xmlns:a16="http://schemas.microsoft.com/office/drawing/2014/main" id="{44F202C9-FE31-4BD3-AC5A-8CD824379E06}"/>
               </a:ext>
             </a:extLst>
           </p:cNvPr>
@@ -7866,7 +7795,7 @@
           <p:cNvPr id="2" name="Titel 1">
             <a:extLst>
               <a:ext uri="{FF2B5EF4-FFF2-40B4-BE49-F238E27FC236}">
-                <a16:creationId xmlns:a16="http://schemas.microsoft.com/office/drawing/2014/main" xmlns="" id="{F34C9E2D-611E-48D5-9E3F-60BCC33CC164}"/>
+                <a16:creationId xmlns:a16="http://schemas.microsoft.com/office/drawing/2014/main" id="{F34C9E2D-611E-48D5-9E3F-60BCC33CC164}"/>
               </a:ext>
             </a:extLst>
           </p:cNvPr>
@@ -7894,7 +7823,7 @@
           <p:cNvPr id="3" name="Inhaltsplatzhalter 2">
             <a:extLst>
               <a:ext uri="{FF2B5EF4-FFF2-40B4-BE49-F238E27FC236}">
-                <a16:creationId xmlns:a16="http://schemas.microsoft.com/office/drawing/2014/main" xmlns="" id="{E8DBC05B-1845-42D4-965C-63A607DCC327}"/>
+                <a16:creationId xmlns:a16="http://schemas.microsoft.com/office/drawing/2014/main" id="{E8DBC05B-1845-42D4-965C-63A607DCC327}"/>
               </a:ext>
             </a:extLst>
           </p:cNvPr>
@@ -8011,13 +7940,6 @@
   <p:clrMapOvr>
     <a:masterClrMapping/>
   </p:clrMapOvr>
-  <p:timing>
-    <p:tnLst>
-      <p:par>
-        <p:cTn id="1" dur="indefinite" restart="never" nodeType="tmRoot"/>
-      </p:par>
-    </p:tnLst>
-  </p:timing>
 </p:sld>
 </file>
 
@@ -8043,7 +7965,7 @@
           <p:cNvPr id="2" name="Titel 1">
             <a:extLst>
               <a:ext uri="{FF2B5EF4-FFF2-40B4-BE49-F238E27FC236}">
-                <a16:creationId xmlns:a16="http://schemas.microsoft.com/office/drawing/2014/main" xmlns="" id="{3D758F7E-CADC-4CFA-842E-2FE3EE11029B}"/>
+                <a16:creationId xmlns:a16="http://schemas.microsoft.com/office/drawing/2014/main" id="{3D758F7E-CADC-4CFA-842E-2FE3EE11029B}"/>
               </a:ext>
             </a:extLst>
           </p:cNvPr>
@@ -8071,7 +7993,7 @@
           <p:cNvPr id="1028" name="Picture 4" descr="Bildergebnis für numerische integration">
             <a:extLst>
               <a:ext uri="{FF2B5EF4-FFF2-40B4-BE49-F238E27FC236}">
-                <a16:creationId xmlns:a16="http://schemas.microsoft.com/office/drawing/2014/main" xmlns="" id="{90573B2F-315B-40E8-AD0D-90C35A30D6E3}"/>
+                <a16:creationId xmlns:a16="http://schemas.microsoft.com/office/drawing/2014/main" id="{90573B2F-315B-40E8-AD0D-90C35A30D6E3}"/>
               </a:ext>
             </a:extLst>
           </p:cNvPr>
@@ -8118,7 +8040,7 @@
           <p:cNvPr id="19" name="Textfeld 18">
             <a:extLst>
               <a:ext uri="{FF2B5EF4-FFF2-40B4-BE49-F238E27FC236}">
-                <a16:creationId xmlns:a16="http://schemas.microsoft.com/office/drawing/2014/main" xmlns="" id="{C72BD406-91B2-42C3-8720-B719F35E4C0C}"/>
+                <a16:creationId xmlns:a16="http://schemas.microsoft.com/office/drawing/2014/main" id="{C72BD406-91B2-42C3-8720-B719F35E4C0C}"/>
               </a:ext>
             </a:extLst>
           </p:cNvPr>
@@ -8214,13 +8136,6 @@
   <p:clrMapOvr>
     <a:masterClrMapping/>
   </p:clrMapOvr>
-  <p:timing>
-    <p:tnLst>
-      <p:par>
-        <p:cTn id="1" dur="indefinite" restart="never" nodeType="tmRoot"/>
-      </p:par>
-    </p:tnLst>
-  </p:timing>
 </p:sld>
 </file>
 
@@ -8246,7 +8161,7 @@
           <p:cNvPr id="2" name="Titel 1">
             <a:extLst>
               <a:ext uri="{FF2B5EF4-FFF2-40B4-BE49-F238E27FC236}">
-                <a16:creationId xmlns:a16="http://schemas.microsoft.com/office/drawing/2014/main" xmlns="" id="{3D758F7E-CADC-4CFA-842E-2FE3EE11029B}"/>
+                <a16:creationId xmlns:a16="http://schemas.microsoft.com/office/drawing/2014/main" id="{3D758F7E-CADC-4CFA-842E-2FE3EE11029B}"/>
               </a:ext>
             </a:extLst>
           </p:cNvPr>
@@ -8276,7 +8191,7 @@
               <p:cNvPr id="4" name="Textfeld 3">
                 <a:extLst>
                   <a:ext uri="{FF2B5EF4-FFF2-40B4-BE49-F238E27FC236}">
-                    <a16:creationId xmlns:a16="http://schemas.microsoft.com/office/drawing/2014/main" xmlns="" id="{2278AFD7-98DB-4CB0-902E-1AE8508923B8}"/>
+                    <a16:creationId xmlns:a16="http://schemas.microsoft.com/office/drawing/2014/main" id="{2278AFD7-98DB-4CB0-902E-1AE8508923B8}"/>
                   </a:ext>
                 </a:extLst>
               </p:cNvPr>
@@ -8394,7 +8309,7 @@
           <p:cNvPr id="6" name="Verbinder: gewinkelt 5">
             <a:extLst>
               <a:ext uri="{FF2B5EF4-FFF2-40B4-BE49-F238E27FC236}">
-                <a16:creationId xmlns:a16="http://schemas.microsoft.com/office/drawing/2014/main" xmlns="" id="{EC1DCD1B-3C69-4937-832B-66ED16A875F0}"/>
+                <a16:creationId xmlns:a16="http://schemas.microsoft.com/office/drawing/2014/main" id="{EC1DCD1B-3C69-4937-832B-66ED16A875F0}"/>
               </a:ext>
             </a:extLst>
           </p:cNvPr>
@@ -8437,7 +8352,7 @@
               <p:cNvPr id="7" name="Textfeld 6">
                 <a:extLst>
                   <a:ext uri="{FF2B5EF4-FFF2-40B4-BE49-F238E27FC236}">
-                    <a16:creationId xmlns:a16="http://schemas.microsoft.com/office/drawing/2014/main" xmlns="" id="{8028247A-050A-4AC5-B44B-A6FE87669940}"/>
+                    <a16:creationId xmlns:a16="http://schemas.microsoft.com/office/drawing/2014/main" id="{8028247A-050A-4AC5-B44B-A6FE87669940}"/>
                   </a:ext>
                 </a:extLst>
               </p:cNvPr>
@@ -8555,7 +8470,7 @@
           <p:cNvPr id="8" name="Textfeld 7">
             <a:extLst>
               <a:ext uri="{FF2B5EF4-FFF2-40B4-BE49-F238E27FC236}">
-                <a16:creationId xmlns:a16="http://schemas.microsoft.com/office/drawing/2014/main" xmlns="" id="{B376C27D-2ABE-4447-88F7-8E94891F456C}"/>
+                <a16:creationId xmlns:a16="http://schemas.microsoft.com/office/drawing/2014/main" id="{B376C27D-2ABE-4447-88F7-8E94891F456C}"/>
               </a:ext>
             </a:extLst>
           </p:cNvPr>
@@ -8590,7 +8505,7 @@
           <p:cNvPr id="9" name="Textfeld 8">
             <a:extLst>
               <a:ext uri="{FF2B5EF4-FFF2-40B4-BE49-F238E27FC236}">
-                <a16:creationId xmlns:a16="http://schemas.microsoft.com/office/drawing/2014/main" xmlns="" id="{3F1EB1B6-3E85-4B80-BC71-15F963A4C1EF}"/>
+                <a16:creationId xmlns:a16="http://schemas.microsoft.com/office/drawing/2014/main" id="{3F1EB1B6-3E85-4B80-BC71-15F963A4C1EF}"/>
               </a:ext>
             </a:extLst>
           </p:cNvPr>
@@ -8625,7 +8540,7 @@
           <p:cNvPr id="11" name="Gerade Verbindung mit Pfeil 10">
             <a:extLst>
               <a:ext uri="{FF2B5EF4-FFF2-40B4-BE49-F238E27FC236}">
-                <a16:creationId xmlns:a16="http://schemas.microsoft.com/office/drawing/2014/main" xmlns="" id="{C92812C7-849B-4F9F-9A81-1FE579F03D64}"/>
+                <a16:creationId xmlns:a16="http://schemas.microsoft.com/office/drawing/2014/main" id="{C92812C7-849B-4F9F-9A81-1FE579F03D64}"/>
               </a:ext>
             </a:extLst>
           </p:cNvPr>
@@ -8668,7 +8583,7 @@
               <p:cNvPr id="12" name="Textfeld 11">
                 <a:extLst>
                   <a:ext uri="{FF2B5EF4-FFF2-40B4-BE49-F238E27FC236}">
-                    <a16:creationId xmlns:a16="http://schemas.microsoft.com/office/drawing/2014/main" xmlns="" id="{66D4B41E-2455-41D2-B684-0C65AF61F3CE}"/>
+                    <a16:creationId xmlns:a16="http://schemas.microsoft.com/office/drawing/2014/main" id="{66D4B41E-2455-41D2-B684-0C65AF61F3CE}"/>
                   </a:ext>
                 </a:extLst>
               </p:cNvPr>
@@ -8793,7 +8708,7 @@
           <p:cNvPr id="13" name="Textfeld 12">
             <a:extLst>
               <a:ext uri="{FF2B5EF4-FFF2-40B4-BE49-F238E27FC236}">
-                <a16:creationId xmlns:a16="http://schemas.microsoft.com/office/drawing/2014/main" xmlns="" id="{AB10EE11-2435-4759-B176-360B7BEAE89B}"/>
+                <a16:creationId xmlns:a16="http://schemas.microsoft.com/office/drawing/2014/main" id="{AB10EE11-2435-4759-B176-360B7BEAE89B}"/>
               </a:ext>
             </a:extLst>
           </p:cNvPr>
@@ -8828,7 +8743,7 @@
           <p:cNvPr id="14" name="Gerade Verbindung mit Pfeil 13">
             <a:extLst>
               <a:ext uri="{FF2B5EF4-FFF2-40B4-BE49-F238E27FC236}">
-                <a16:creationId xmlns:a16="http://schemas.microsoft.com/office/drawing/2014/main" xmlns="" id="{145FB2DB-2161-4924-8D07-8B4FA4B3B40A}"/>
+                <a16:creationId xmlns:a16="http://schemas.microsoft.com/office/drawing/2014/main" id="{145FB2DB-2161-4924-8D07-8B4FA4B3B40A}"/>
               </a:ext>
             </a:extLst>
           </p:cNvPr>
@@ -8869,7 +8784,7 @@
               <p:cNvPr id="15" name="Textfeld 14">
                 <a:extLst>
                   <a:ext uri="{FF2B5EF4-FFF2-40B4-BE49-F238E27FC236}">
-                    <a16:creationId xmlns:a16="http://schemas.microsoft.com/office/drawing/2014/main" xmlns="" id="{50D66CCD-4799-4908-841D-6F40A119F206}"/>
+                    <a16:creationId xmlns:a16="http://schemas.microsoft.com/office/drawing/2014/main" id="{50D66CCD-4799-4908-841D-6F40A119F206}"/>
                   </a:ext>
                 </a:extLst>
               </p:cNvPr>
@@ -9281,7 +9196,7 @@
           <p:cNvPr id="2" name="Titel 1">
             <a:extLst>
               <a:ext uri="{FF2B5EF4-FFF2-40B4-BE49-F238E27FC236}">
-                <a16:creationId xmlns:a16="http://schemas.microsoft.com/office/drawing/2014/main" xmlns="" id="{42A4BF16-9436-4725-9104-80CB704D1AB3}"/>
+                <a16:creationId xmlns:a16="http://schemas.microsoft.com/office/drawing/2014/main" id="{42A4BF16-9436-4725-9104-80CB704D1AB3}"/>
               </a:ext>
             </a:extLst>
           </p:cNvPr>
@@ -9309,7 +9224,7 @@
           <p:cNvPr id="5" name="Textfeld 4">
             <a:extLst>
               <a:ext uri="{FF2B5EF4-FFF2-40B4-BE49-F238E27FC236}">
-                <a16:creationId xmlns:a16="http://schemas.microsoft.com/office/drawing/2014/main" xmlns="" id="{8C5DA050-B659-4D65-AD20-8B301F9FEB10}"/>
+                <a16:creationId xmlns:a16="http://schemas.microsoft.com/office/drawing/2014/main" id="{8C5DA050-B659-4D65-AD20-8B301F9FEB10}"/>
               </a:ext>
             </a:extLst>
           </p:cNvPr>
@@ -9344,7 +9259,7 @@
           <p:cNvPr id="6" name="Textfeld 5">
             <a:extLst>
               <a:ext uri="{FF2B5EF4-FFF2-40B4-BE49-F238E27FC236}">
-                <a16:creationId xmlns:a16="http://schemas.microsoft.com/office/drawing/2014/main" xmlns="" id="{9731FDAB-B9D9-4229-AD15-D481A86D8969}"/>
+                <a16:creationId xmlns:a16="http://schemas.microsoft.com/office/drawing/2014/main" id="{9731FDAB-B9D9-4229-AD15-D481A86D8969}"/>
               </a:ext>
             </a:extLst>
           </p:cNvPr>
@@ -9381,7 +9296,7 @@
               <p:cNvPr id="10" name="Textfeld 9">
                 <a:extLst>
                   <a:ext uri="{FF2B5EF4-FFF2-40B4-BE49-F238E27FC236}">
-                    <a16:creationId xmlns:a16="http://schemas.microsoft.com/office/drawing/2014/main" xmlns="" id="{29A068FF-B407-4B83-A30B-93870E9BB5A9}"/>
+                    <a16:creationId xmlns:a16="http://schemas.microsoft.com/office/drawing/2014/main" id="{29A068FF-B407-4B83-A30B-93870E9BB5A9}"/>
                   </a:ext>
                 </a:extLst>
               </p:cNvPr>
@@ -9621,7 +9536,7 @@
               <p:cNvPr id="11" name="Textfeld 10">
                 <a:extLst>
                   <a:ext uri="{FF2B5EF4-FFF2-40B4-BE49-F238E27FC236}">
-                    <a16:creationId xmlns:a16="http://schemas.microsoft.com/office/drawing/2014/main" xmlns="" id="{DDCF665D-FC42-4611-AFFD-3B458ED79415}"/>
+                    <a16:creationId xmlns:a16="http://schemas.microsoft.com/office/drawing/2014/main" id="{DDCF665D-FC42-4611-AFFD-3B458ED79415}"/>
                   </a:ext>
                 </a:extLst>
               </p:cNvPr>
@@ -9867,14 +9782,14 @@
           </p:sp>
         </mc:Fallback>
       </mc:AlternateContent>
-      <mc:AlternateContent xmlns:mc="http://schemas.openxmlformats.org/markup-compatibility/2006" xmlns:a14="http://schemas.microsoft.com/office/drawing/2010/main">
-        <mc:Choice Requires="a14">
+      <mc:AlternateContent xmlns:mc="http://schemas.openxmlformats.org/markup-compatibility/2006">
+        <mc:Choice xmlns:a14="http://schemas.microsoft.com/office/drawing/2010/main" Requires="a14">
           <p:sp>
             <p:nvSpPr>
               <p:cNvPr id="12" name="Textfeld 11">
                 <a:extLst>
                   <a:ext uri="{FF2B5EF4-FFF2-40B4-BE49-F238E27FC236}">
-                    <a16:creationId xmlns:a16="http://schemas.microsoft.com/office/drawing/2014/main" xmlns="" id="{38D6BF69-067D-47EA-B1C3-37032EA73EBE}"/>
+                    <a16:creationId xmlns:a16="http://schemas.microsoft.com/office/drawing/2014/main" id="{38D6BF69-067D-47EA-B1C3-37032EA73EBE}"/>
                   </a:ext>
                 </a:extLst>
               </p:cNvPr>
@@ -9906,22 +9821,34 @@
                     <m:sSub>
                       <m:sSubPr>
                         <m:ctrlPr>
-                          <a:rPr lang="de-DE" i="1" smtClean="0">
+                          <a:rPr lang="de-DE" i="1">
                             <a:latin typeface="Cambria Math" panose="02040503050406030204" pitchFamily="18" charset="0"/>
                           </a:rPr>
                         </m:ctrlPr>
                       </m:sSubPr>
                       <m:e>
-                        <m:r>
-                          <a:rPr lang="de-DE" b="0" i="1" smtClean="0">
-                            <a:latin typeface="Cambria Math" panose="02040503050406030204" pitchFamily="18" charset="0"/>
-                          </a:rPr>
-                          <m:t>𝑥</m:t>
-                        </m:r>
+                        <m:acc>
+                          <m:accPr>
+                            <m:chr m:val="⃗"/>
+                            <m:ctrlPr>
+                              <a:rPr lang="de-DE" i="1">
+                                <a:latin typeface="Cambria Math" panose="02040503050406030204" pitchFamily="18" charset="0"/>
+                              </a:rPr>
+                            </m:ctrlPr>
+                          </m:accPr>
+                          <m:e>
+                            <m:r>
+                              <a:rPr lang="de-DE" i="1">
+                                <a:latin typeface="Cambria Math" panose="02040503050406030204" pitchFamily="18" charset="0"/>
+                              </a:rPr>
+                              <m:t>𝑥</m:t>
+                            </m:r>
+                          </m:e>
+                        </m:acc>
                       </m:e>
                       <m:sub>
                         <m:r>
-                          <a:rPr lang="de-DE" b="0" i="1" smtClean="0">
+                          <a:rPr lang="de-DE" i="1">
                             <a:latin typeface="Cambria Math" panose="02040503050406030204" pitchFamily="18" charset="0"/>
                           </a:rPr>
                           <m:t>𝑖</m:t>
@@ -9935,7 +9862,7 @@
             </p:txBody>
           </p:sp>
         </mc:Choice>
-        <mc:Fallback xmlns="">
+        <mc:Fallback>
           <p:sp>
             <p:nvSpPr>
               <p:cNvPr id="12" name="Textfeld 11">
@@ -9961,7 +9888,7 @@
               <a:blipFill>
                 <a:blip r:embed="rId4"/>
                 <a:stretch>
-                  <a:fillRect l="-2446" t="-8197" b="-24590"/>
+                  <a:fillRect l="-2446" t="-22951" b="-24590"/>
                 </a:stretch>
               </a:blipFill>
             </p:spPr>
@@ -9980,14 +9907,14 @@
           </p:sp>
         </mc:Fallback>
       </mc:AlternateContent>
-      <mc:AlternateContent xmlns:mc="http://schemas.openxmlformats.org/markup-compatibility/2006" xmlns:a14="http://schemas.microsoft.com/office/drawing/2010/main">
-        <mc:Choice Requires="a14">
+      <mc:AlternateContent xmlns:mc="http://schemas.openxmlformats.org/markup-compatibility/2006">
+        <mc:Choice xmlns:a14="http://schemas.microsoft.com/office/drawing/2010/main" Requires="a14">
           <p:sp>
             <p:nvSpPr>
               <p:cNvPr id="13" name="Textfeld 12">
                 <a:extLst>
                   <a:ext uri="{FF2B5EF4-FFF2-40B4-BE49-F238E27FC236}">
-                    <a16:creationId xmlns:a16="http://schemas.microsoft.com/office/drawing/2014/main" xmlns="" id="{43B105A8-F268-4473-A4BC-CA19D53F44B7}"/>
+                    <a16:creationId xmlns:a16="http://schemas.microsoft.com/office/drawing/2014/main" id="{43B105A8-F268-4473-A4BC-CA19D53F44B7}"/>
                   </a:ext>
                 </a:extLst>
               </p:cNvPr>
@@ -9997,7 +9924,7 @@
             <p:spPr>
               <a:xfrm>
                 <a:off x="3135295" y="2654423"/>
-                <a:ext cx="2821621" cy="369332"/>
+                <a:ext cx="3055780" cy="369332"/>
               </a:xfrm>
               <a:prstGeom prst="rect">
                 <a:avLst/>
@@ -10019,22 +9946,34 @@
                     <m:sSub>
                       <m:sSubPr>
                         <m:ctrlPr>
-                          <a:rPr lang="de-DE" i="1" smtClean="0">
+                          <a:rPr lang="de-DE" i="1">
                             <a:latin typeface="Cambria Math" panose="02040503050406030204" pitchFamily="18" charset="0"/>
                           </a:rPr>
                         </m:ctrlPr>
                       </m:sSubPr>
                       <m:e>
-                        <m:r>
-                          <a:rPr lang="de-DE" b="0" i="1" smtClean="0">
-                            <a:latin typeface="Cambria Math" panose="02040503050406030204" pitchFamily="18" charset="0"/>
-                          </a:rPr>
-                          <m:t>𝑣</m:t>
-                        </m:r>
+                        <m:acc>
+                          <m:accPr>
+                            <m:chr m:val="⃗"/>
+                            <m:ctrlPr>
+                              <a:rPr lang="de-DE" i="1">
+                                <a:latin typeface="Cambria Math" panose="02040503050406030204" pitchFamily="18" charset="0"/>
+                              </a:rPr>
+                            </m:ctrlPr>
+                          </m:accPr>
+                          <m:e>
+                            <m:r>
+                              <a:rPr lang="de-DE" b="0" i="1" smtClean="0">
+                                <a:latin typeface="Cambria Math" panose="02040503050406030204" pitchFamily="18" charset="0"/>
+                              </a:rPr>
+                              <m:t>𝑣</m:t>
+                            </m:r>
+                          </m:e>
+                        </m:acc>
                       </m:e>
                       <m:sub>
                         <m:r>
-                          <a:rPr lang="de-DE" b="0" i="1" smtClean="0">
+                          <a:rPr lang="de-DE" i="1">
                             <a:latin typeface="Cambria Math" panose="02040503050406030204" pitchFamily="18" charset="0"/>
                           </a:rPr>
                           <m:t>𝑖</m:t>
@@ -10048,7 +9987,7 @@
             </p:txBody>
           </p:sp>
         </mc:Choice>
-        <mc:Fallback xmlns="">
+        <mc:Fallback>
           <p:sp>
             <p:nvSpPr>
               <p:cNvPr id="13" name="Textfeld 12">
@@ -10066,7 +10005,7 @@
             <p:spPr>
               <a:xfrm>
                 <a:off x="3135295" y="2654423"/>
-                <a:ext cx="2821621" cy="369332"/>
+                <a:ext cx="3055780" cy="369332"/>
               </a:xfrm>
               <a:prstGeom prst="rect">
                 <a:avLst/>
@@ -10074,7 +10013,7 @@
               <a:blipFill>
                 <a:blip r:embed="rId5"/>
                 <a:stretch>
-                  <a:fillRect l="-1728" t="-8197" b="-24590"/>
+                  <a:fillRect l="-1594" t="-22951" b="-24590"/>
                 </a:stretch>
               </a:blipFill>
             </p:spPr>
@@ -10098,7 +10037,7 @@
           <p:cNvPr id="14" name="Bogen 13">
             <a:extLst>
               <a:ext uri="{FF2B5EF4-FFF2-40B4-BE49-F238E27FC236}">
-                <a16:creationId xmlns:a16="http://schemas.microsoft.com/office/drawing/2014/main" xmlns="" id="{EF6EDD51-E49B-4A4D-B9C0-CB89E7DFE513}"/>
+                <a16:creationId xmlns:a16="http://schemas.microsoft.com/office/drawing/2014/main" id="{EF6EDD51-E49B-4A4D-B9C0-CB89E7DFE513}"/>
               </a:ext>
             </a:extLst>
           </p:cNvPr>
@@ -10145,7 +10084,7 @@
           <p:cNvPr id="15" name="Ellipse 14">
             <a:extLst>
               <a:ext uri="{FF2B5EF4-FFF2-40B4-BE49-F238E27FC236}">
-                <a16:creationId xmlns:a16="http://schemas.microsoft.com/office/drawing/2014/main" xmlns="" id="{EB25B2BA-3307-492B-972F-54618826E102}"/>
+                <a16:creationId xmlns:a16="http://schemas.microsoft.com/office/drawing/2014/main" id="{EB25B2BA-3307-492B-972F-54618826E102}"/>
               </a:ext>
             </a:extLst>
           </p:cNvPr>
@@ -10186,14 +10125,14 @@
           </a:p>
         </p:txBody>
       </p:sp>
-      <mc:AlternateContent xmlns:mc="http://schemas.openxmlformats.org/markup-compatibility/2006" xmlns:a14="http://schemas.microsoft.com/office/drawing/2010/main">
-        <mc:Choice Requires="a14">
+      <mc:AlternateContent xmlns:mc="http://schemas.openxmlformats.org/markup-compatibility/2006">
+        <mc:Choice xmlns:a14="http://schemas.microsoft.com/office/drawing/2010/main" Requires="a14">
           <p:sp>
             <p:nvSpPr>
               <p:cNvPr id="16" name="Textfeld 15">
                 <a:extLst>
                   <a:ext uri="{FF2B5EF4-FFF2-40B4-BE49-F238E27FC236}">
-                    <a16:creationId xmlns:a16="http://schemas.microsoft.com/office/drawing/2014/main" xmlns="" id="{D232E09C-C5CE-425A-A76F-922051689FA0}"/>
+                    <a16:creationId xmlns:a16="http://schemas.microsoft.com/office/drawing/2014/main" id="{D232E09C-C5CE-425A-A76F-922051689FA0}"/>
                   </a:ext>
                 </a:extLst>
               </p:cNvPr>
@@ -10226,22 +10165,34 @@
                       <m:sSub>
                         <m:sSubPr>
                           <m:ctrlPr>
-                            <a:rPr lang="de-DE" i="1" smtClean="0">
+                            <a:rPr lang="de-DE" i="1">
                               <a:latin typeface="Cambria Math" panose="02040503050406030204" pitchFamily="18" charset="0"/>
                             </a:rPr>
                           </m:ctrlPr>
                         </m:sSubPr>
                         <m:e>
-                          <m:r>
-                            <a:rPr lang="de-DE" b="0" i="1" smtClean="0">
-                              <a:latin typeface="Cambria Math" panose="02040503050406030204" pitchFamily="18" charset="0"/>
-                            </a:rPr>
-                            <m:t>𝑥</m:t>
-                          </m:r>
+                          <m:acc>
+                            <m:accPr>
+                              <m:chr m:val="⃗"/>
+                              <m:ctrlPr>
+                                <a:rPr lang="de-DE" i="1">
+                                  <a:latin typeface="Cambria Math" panose="02040503050406030204" pitchFamily="18" charset="0"/>
+                                </a:rPr>
+                              </m:ctrlPr>
+                            </m:accPr>
+                            <m:e>
+                              <m:r>
+                                <a:rPr lang="de-DE" i="1">
+                                  <a:latin typeface="Cambria Math" panose="02040503050406030204" pitchFamily="18" charset="0"/>
+                                </a:rPr>
+                                <m:t>𝑥</m:t>
+                              </m:r>
+                            </m:e>
+                          </m:acc>
                         </m:e>
                         <m:sub>
                           <m:r>
-                            <a:rPr lang="de-DE" b="0" i="1" smtClean="0">
+                            <a:rPr lang="de-DE" i="1">
                               <a:latin typeface="Cambria Math" panose="02040503050406030204" pitchFamily="18" charset="0"/>
                             </a:rPr>
                             <m:t>𝑖</m:t>
@@ -10256,7 +10207,7 @@
             </p:txBody>
           </p:sp>
         </mc:Choice>
-        <mc:Fallback xmlns="">
+        <mc:Fallback>
           <p:sp>
             <p:nvSpPr>
               <p:cNvPr id="16" name="Textfeld 15">
@@ -10282,7 +10233,7 @@
               <a:blipFill>
                 <a:blip r:embed="rId6"/>
                 <a:stretch>
-                  <a:fillRect r="-10000" b="-1667"/>
+                  <a:fillRect t="-23333" r="-22000" b="-1667"/>
                 </a:stretch>
               </a:blipFill>
             </p:spPr>
@@ -10306,7 +10257,7 @@
           <p:cNvPr id="18" name="Gerade Verbindung mit Pfeil 17">
             <a:extLst>
               <a:ext uri="{FF2B5EF4-FFF2-40B4-BE49-F238E27FC236}">
-                <a16:creationId xmlns:a16="http://schemas.microsoft.com/office/drawing/2014/main" xmlns="" id="{8090EB2F-186B-4A6A-BFA1-ECAE77B5909A}"/>
+                <a16:creationId xmlns:a16="http://schemas.microsoft.com/office/drawing/2014/main" id="{8090EB2F-186B-4A6A-BFA1-ECAE77B5909A}"/>
               </a:ext>
             </a:extLst>
           </p:cNvPr>
@@ -10350,7 +10301,7 @@
               <p:cNvPr id="23" name="Textfeld 22">
                 <a:extLst>
                   <a:ext uri="{FF2B5EF4-FFF2-40B4-BE49-F238E27FC236}">
-                    <a16:creationId xmlns:a16="http://schemas.microsoft.com/office/drawing/2014/main" xmlns="" id="{A41B79FF-134D-4377-AC76-4F014562C7B5}"/>
+                    <a16:creationId xmlns:a16="http://schemas.microsoft.com/office/drawing/2014/main" id="{A41B79FF-134D-4377-AC76-4F014562C7B5}"/>
                   </a:ext>
                 </a:extLst>
               </p:cNvPr>
@@ -10491,14 +10442,14 @@
           </p:sp>
         </mc:Fallback>
       </mc:AlternateContent>
-      <mc:AlternateContent xmlns:mc="http://schemas.openxmlformats.org/markup-compatibility/2006" xmlns:a14="http://schemas.microsoft.com/office/drawing/2010/main">
-        <mc:Choice Requires="a14">
+      <mc:AlternateContent xmlns:mc="http://schemas.openxmlformats.org/markup-compatibility/2006">
+        <mc:Choice xmlns:a14="http://schemas.microsoft.com/office/drawing/2010/main" Requires="a14">
           <p:sp>
             <p:nvSpPr>
               <p:cNvPr id="25" name="Textfeld 24">
                 <a:extLst>
                   <a:ext uri="{FF2B5EF4-FFF2-40B4-BE49-F238E27FC236}">
-                    <a16:creationId xmlns:a16="http://schemas.microsoft.com/office/drawing/2014/main" xmlns="" id="{97C79F3C-F1FD-486C-976B-BAADCF5AB4D8}"/>
+                    <a16:creationId xmlns:a16="http://schemas.microsoft.com/office/drawing/2014/main" id="{97C79F3C-F1FD-486C-976B-BAADCF5AB4D8}"/>
                   </a:ext>
                 </a:extLst>
               </p:cNvPr>
@@ -10507,7 +10458,7 @@
             </p:nvSpPr>
             <p:spPr>
               <a:xfrm>
-                <a:off x="3596356" y="4327960"/>
+                <a:off x="3632746" y="4336459"/>
                 <a:ext cx="306014" cy="369332"/>
               </a:xfrm>
               <a:prstGeom prst="rect">
@@ -10531,28 +10482,40 @@
                       <m:sSub>
                         <m:sSubPr>
                           <m:ctrlPr>
-                            <a:rPr lang="de-DE" i="1" smtClean="0">
+                            <a:rPr lang="de-DE" i="1">
                               <a:latin typeface="Cambria Math" panose="02040503050406030204" pitchFamily="18" charset="0"/>
                             </a:rPr>
                           </m:ctrlPr>
                         </m:sSubPr>
                         <m:e>
-                          <m:r>
-                            <a:rPr lang="de-DE" b="0" i="1" smtClean="0">
-                              <a:latin typeface="Cambria Math" panose="02040503050406030204" pitchFamily="18" charset="0"/>
-                            </a:rPr>
-                            <m:t>𝑥</m:t>
-                          </m:r>
+                          <m:acc>
+                            <m:accPr>
+                              <m:chr m:val="⃗"/>
+                              <m:ctrlPr>
+                                <a:rPr lang="de-DE" i="1">
+                                  <a:latin typeface="Cambria Math" panose="02040503050406030204" pitchFamily="18" charset="0"/>
+                                </a:rPr>
+                              </m:ctrlPr>
+                            </m:accPr>
+                            <m:e>
+                              <m:r>
+                                <a:rPr lang="de-DE" i="1">
+                                  <a:latin typeface="Cambria Math" panose="02040503050406030204" pitchFamily="18" charset="0"/>
+                                </a:rPr>
+                                <m:t>𝑥</m:t>
+                              </m:r>
+                            </m:e>
+                          </m:acc>
                         </m:e>
                         <m:sub>
                           <m:r>
-                            <a:rPr lang="de-DE" b="0" i="1" smtClean="0">
+                            <a:rPr lang="de-DE" i="1">
                               <a:latin typeface="Cambria Math" panose="02040503050406030204" pitchFamily="18" charset="0"/>
                             </a:rPr>
                             <m:t>𝑖</m:t>
                           </m:r>
                           <m:r>
-                            <a:rPr lang="de-DE" b="0" i="1" smtClean="0">
+                            <a:rPr lang="de-DE">
                               <a:latin typeface="Cambria Math" panose="02040503050406030204" pitchFamily="18" charset="0"/>
                             </a:rPr>
                             <m:t>+1</m:t>
@@ -10567,7 +10530,7 @@
             </p:txBody>
           </p:sp>
         </mc:Choice>
-        <mc:Fallback xmlns="">
+        <mc:Fallback>
           <p:sp>
             <p:nvSpPr>
               <p:cNvPr id="25" name="Textfeld 24">
@@ -10584,7 +10547,7 @@
             </p:nvSpPr>
             <p:spPr>
               <a:xfrm>
-                <a:off x="3596356" y="4327960"/>
+                <a:off x="3632746" y="4336459"/>
                 <a:ext cx="306014" cy="369332"/>
               </a:xfrm>
               <a:prstGeom prst="rect">
@@ -10593,7 +10556,7 @@
               <a:blipFill>
                 <a:blip r:embed="rId8"/>
                 <a:stretch>
-                  <a:fillRect r="-80000"/>
+                  <a:fillRect t="-22951" r="-80000"/>
                 </a:stretch>
               </a:blipFill>
             </p:spPr>
@@ -10617,7 +10580,7 @@
           <p:cNvPr id="26" name="Ellipse 25">
             <a:extLst>
               <a:ext uri="{FF2B5EF4-FFF2-40B4-BE49-F238E27FC236}">
-                <a16:creationId xmlns:a16="http://schemas.microsoft.com/office/drawing/2014/main" xmlns="" id="{E0D43BD3-5BB8-4980-85CC-7127562B8DEE}"/>
+                <a16:creationId xmlns:a16="http://schemas.microsoft.com/office/drawing/2014/main" id="{E0D43BD3-5BB8-4980-85CC-7127562B8DEE}"/>
               </a:ext>
             </a:extLst>
           </p:cNvPr>
@@ -10663,7 +10626,7 @@
           <p:cNvPr id="29" name="Ellipse 28">
             <a:extLst>
               <a:ext uri="{FF2B5EF4-FFF2-40B4-BE49-F238E27FC236}">
-                <a16:creationId xmlns:a16="http://schemas.microsoft.com/office/drawing/2014/main" xmlns="" id="{18A015F3-88A5-4BA7-9C05-0B3ABD075B92}"/>
+                <a16:creationId xmlns:a16="http://schemas.microsoft.com/office/drawing/2014/main" id="{18A015F3-88A5-4BA7-9C05-0B3ABD075B92}"/>
               </a:ext>
             </a:extLst>
           </p:cNvPr>
@@ -10704,14 +10667,14 @@
           </a:p>
         </p:txBody>
       </p:sp>
-      <mc:AlternateContent xmlns:mc="http://schemas.openxmlformats.org/markup-compatibility/2006" xmlns:a14="http://schemas.microsoft.com/office/drawing/2010/main">
-        <mc:Choice Requires="a14">
+      <mc:AlternateContent xmlns:mc="http://schemas.openxmlformats.org/markup-compatibility/2006">
+        <mc:Choice xmlns:a14="http://schemas.microsoft.com/office/drawing/2010/main" Requires="a14">
           <p:sp>
             <p:nvSpPr>
               <p:cNvPr id="30" name="Textfeld 29">
                 <a:extLst>
                   <a:ext uri="{FF2B5EF4-FFF2-40B4-BE49-F238E27FC236}">
-                    <a16:creationId xmlns:a16="http://schemas.microsoft.com/office/drawing/2014/main" xmlns="" id="{F916E6E3-4169-4D92-8E6E-60B806F89DA9}"/>
+                    <a16:creationId xmlns:a16="http://schemas.microsoft.com/office/drawing/2014/main" id="{F916E6E3-4169-4D92-8E6E-60B806F89DA9}"/>
                   </a:ext>
                 </a:extLst>
               </p:cNvPr>
@@ -10750,25 +10713,43 @@
                           </m:ctrlPr>
                         </m:sSubPr>
                         <m:e>
-                          <m:r>
-                            <a:rPr lang="de-DE" b="0" i="1" smtClean="0">
-                              <a:latin typeface="Cambria Math" panose="02040503050406030204" pitchFamily="18" charset="0"/>
-                            </a:rPr>
-                            <m:t>𝑥</m:t>
-                          </m:r>
+                          <m:acc>
+                            <m:accPr>
+                              <m:chr m:val="⃗"/>
+                              <m:ctrlPr>
+                                <a:rPr lang="de-DE" i="1">
+                                  <a:latin typeface="Cambria Math" panose="02040503050406030204" pitchFamily="18" charset="0"/>
+                                </a:rPr>
+                              </m:ctrlPr>
+                            </m:accPr>
+                            <m:e>
+                              <m:r>
+                                <a:rPr lang="de-DE" i="1">
+                                  <a:latin typeface="Cambria Math" panose="02040503050406030204" pitchFamily="18" charset="0"/>
+                                </a:rPr>
+                                <m:t>𝑥</m:t>
+                              </m:r>
+                            </m:e>
+                          </m:acc>
                         </m:e>
                         <m:sub>
                           <m:r>
-                            <a:rPr lang="de-DE" b="0" i="1" smtClean="0">
+                            <a:rPr lang="de-DE" i="1">
                               <a:latin typeface="Cambria Math" panose="02040503050406030204" pitchFamily="18" charset="0"/>
                             </a:rPr>
                             <m:t>𝑖</m:t>
                           </m:r>
                           <m:r>
+                            <a:rPr lang="de-DE">
+                              <a:latin typeface="Cambria Math" panose="02040503050406030204" pitchFamily="18" charset="0"/>
+                            </a:rPr>
+                            <m:t>+</m:t>
+                          </m:r>
+                          <m:r>
                             <a:rPr lang="de-DE" b="0" i="1" smtClean="0">
                               <a:latin typeface="Cambria Math" panose="02040503050406030204" pitchFamily="18" charset="0"/>
                             </a:rPr>
-                            <m:t>+2</m:t>
+                            <m:t>2</m:t>
                           </m:r>
                         </m:sub>
                       </m:sSub>
@@ -10780,7 +10761,7 @@
             </p:txBody>
           </p:sp>
         </mc:Choice>
-        <mc:Fallback xmlns="">
+        <mc:Fallback>
           <p:sp>
             <p:nvSpPr>
               <p:cNvPr id="30" name="Textfeld 29">
@@ -10806,7 +10787,7 @@
               <a:blipFill>
                 <a:blip r:embed="rId9"/>
                 <a:stretch>
-                  <a:fillRect r="-82000" b="-1667"/>
+                  <a:fillRect t="-23333" r="-82000" b="-1667"/>
                 </a:stretch>
               </a:blipFill>
             </p:spPr>
@@ -10832,7 +10813,7 @@
               <p:cNvPr id="32" name="Rechteck 31">
                 <a:extLst>
                   <a:ext uri="{FF2B5EF4-FFF2-40B4-BE49-F238E27FC236}">
-                    <a16:creationId xmlns:a16="http://schemas.microsoft.com/office/drawing/2014/main" xmlns="" id="{28280A1E-7891-41E3-87FC-DDB399295564}"/>
+                    <a16:creationId xmlns:a16="http://schemas.microsoft.com/office/drawing/2014/main" id="{28280A1E-7891-41E3-87FC-DDB399295564}"/>
                   </a:ext>
                 </a:extLst>
               </p:cNvPr>
@@ -10998,7 +10979,7 @@
           <p:cNvPr id="33" name="Gerade Verbindung mit Pfeil 32">
             <a:extLst>
               <a:ext uri="{FF2B5EF4-FFF2-40B4-BE49-F238E27FC236}">
-                <a16:creationId xmlns:a16="http://schemas.microsoft.com/office/drawing/2014/main" xmlns="" id="{0610A389-93E8-45D9-B225-271BBF768CD5}"/>
+                <a16:creationId xmlns:a16="http://schemas.microsoft.com/office/drawing/2014/main" id="{0610A389-93E8-45D9-B225-271BBF768CD5}"/>
               </a:ext>
             </a:extLst>
           </p:cNvPr>
@@ -11039,7 +11020,7 @@
           <p:cNvPr id="35" name="Gerade Verbindung mit Pfeil 34">
             <a:extLst>
               <a:ext uri="{FF2B5EF4-FFF2-40B4-BE49-F238E27FC236}">
-                <a16:creationId xmlns:a16="http://schemas.microsoft.com/office/drawing/2014/main" xmlns="" id="{D05E56F5-B990-4ACC-A627-B964A5CA67A8}"/>
+                <a16:creationId xmlns:a16="http://schemas.microsoft.com/office/drawing/2014/main" id="{D05E56F5-B990-4ACC-A627-B964A5CA67A8}"/>
               </a:ext>
             </a:extLst>
           </p:cNvPr>
@@ -11082,7 +11063,7 @@
               <p:cNvPr id="37" name="Rechteck 36">
                 <a:extLst>
                   <a:ext uri="{FF2B5EF4-FFF2-40B4-BE49-F238E27FC236}">
-                    <a16:creationId xmlns:a16="http://schemas.microsoft.com/office/drawing/2014/main" xmlns="" id="{70FA4314-BE49-426C-B0FC-DA2256946956}"/>
+                    <a16:creationId xmlns:a16="http://schemas.microsoft.com/office/drawing/2014/main" id="{70FA4314-BE49-426C-B0FC-DA2256946956}"/>
                   </a:ext>
                 </a:extLst>
               </p:cNvPr>
@@ -11249,14 +11230,14 @@
           </p:sp>
         </mc:Fallback>
       </mc:AlternateContent>
-      <mc:AlternateContent xmlns:mc="http://schemas.openxmlformats.org/markup-compatibility/2006" xmlns:a14="http://schemas.microsoft.com/office/drawing/2010/main">
-        <mc:Choice Requires="a14">
+      <mc:AlternateContent xmlns:mc="http://schemas.openxmlformats.org/markup-compatibility/2006">
+        <mc:Choice xmlns:a14="http://schemas.microsoft.com/office/drawing/2010/main" Requires="a14">
           <p:sp>
             <p:nvSpPr>
               <p:cNvPr id="38" name="Textfeld 37">
                 <a:extLst>
                   <a:ext uri="{FF2B5EF4-FFF2-40B4-BE49-F238E27FC236}">
-                    <a16:creationId xmlns:a16="http://schemas.microsoft.com/office/drawing/2014/main" xmlns="" id="{12917002-98B2-474C-B7A3-8C6578EF4F6D}"/>
+                    <a16:creationId xmlns:a16="http://schemas.microsoft.com/office/drawing/2014/main" id="{12917002-98B2-474C-B7A3-8C6578EF4F6D}"/>
                   </a:ext>
                 </a:extLst>
               </p:cNvPr>
@@ -11295,25 +11276,43 @@
                           </m:ctrlPr>
                         </m:sSubPr>
                         <m:e>
-                          <m:r>
-                            <a:rPr lang="de-DE" b="0" i="1" smtClean="0">
-                              <a:latin typeface="Cambria Math" panose="02040503050406030204" pitchFamily="18" charset="0"/>
-                            </a:rPr>
-                            <m:t>𝑥</m:t>
-                          </m:r>
+                          <m:acc>
+                            <m:accPr>
+                              <m:chr m:val="⃗"/>
+                              <m:ctrlPr>
+                                <a:rPr lang="de-DE" i="1">
+                                  <a:latin typeface="Cambria Math" panose="02040503050406030204" pitchFamily="18" charset="0"/>
+                                </a:rPr>
+                              </m:ctrlPr>
+                            </m:accPr>
+                            <m:e>
+                              <m:r>
+                                <a:rPr lang="de-DE" i="1">
+                                  <a:latin typeface="Cambria Math" panose="02040503050406030204" pitchFamily="18" charset="0"/>
+                                </a:rPr>
+                                <m:t>𝑥</m:t>
+                              </m:r>
+                            </m:e>
+                          </m:acc>
                         </m:e>
                         <m:sub>
                           <m:r>
-                            <a:rPr lang="de-DE" b="0" i="1" smtClean="0">
+                            <a:rPr lang="de-DE" i="1">
                               <a:latin typeface="Cambria Math" panose="02040503050406030204" pitchFamily="18" charset="0"/>
                             </a:rPr>
                             <m:t>𝑖</m:t>
                           </m:r>
                           <m:r>
+                            <a:rPr lang="de-DE">
+                              <a:latin typeface="Cambria Math" panose="02040503050406030204" pitchFamily="18" charset="0"/>
+                            </a:rPr>
+                            <m:t>+</m:t>
+                          </m:r>
+                          <m:r>
                             <a:rPr lang="de-DE" b="0" i="1" smtClean="0">
                               <a:latin typeface="Cambria Math" panose="02040503050406030204" pitchFamily="18" charset="0"/>
                             </a:rPr>
-                            <m:t>+3</m:t>
+                            <m:t>3</m:t>
                           </m:r>
                         </m:sub>
                       </m:sSub>
@@ -11325,7 +11324,7 @@
             </p:txBody>
           </p:sp>
         </mc:Choice>
-        <mc:Fallback xmlns="">
+        <mc:Fallback>
           <p:sp>
             <p:nvSpPr>
               <p:cNvPr id="38" name="Textfeld 37">
@@ -11351,7 +11350,7 @@
               <a:blipFill>
                 <a:blip r:embed="rId12"/>
                 <a:stretch>
-                  <a:fillRect r="-82000"/>
+                  <a:fillRect t="-22951" r="-82000"/>
                 </a:stretch>
               </a:blipFill>
             </p:spPr>
@@ -11375,7 +11374,7 @@
           <p:cNvPr id="39" name="Ellipse 38">
             <a:extLst>
               <a:ext uri="{FF2B5EF4-FFF2-40B4-BE49-F238E27FC236}">
-                <a16:creationId xmlns:a16="http://schemas.microsoft.com/office/drawing/2014/main" xmlns="" id="{95A03AA9-0314-4A1A-B237-872414244725}"/>
+                <a16:creationId xmlns:a16="http://schemas.microsoft.com/office/drawing/2014/main" id="{95A03AA9-0314-4A1A-B237-872414244725}"/>
               </a:ext>
             </a:extLst>
           </p:cNvPr>
@@ -12141,7 +12140,7 @@
           <p:cNvPr id="2" name="Titel 1">
             <a:extLst>
               <a:ext uri="{FF2B5EF4-FFF2-40B4-BE49-F238E27FC236}">
-                <a16:creationId xmlns:a16="http://schemas.microsoft.com/office/drawing/2014/main" xmlns="" id="{53C7705D-F3E1-4610-A2B7-62F191AC008C}"/>
+                <a16:creationId xmlns:a16="http://schemas.microsoft.com/office/drawing/2014/main" id="{53C7705D-F3E1-4610-A2B7-62F191AC008C}"/>
               </a:ext>
             </a:extLst>
           </p:cNvPr>
@@ -12177,7 +12176,7 @@
           <p:cNvPr id="5" name="Gerade Verbindung mit Pfeil 4">
             <a:extLst>
               <a:ext uri="{FF2B5EF4-FFF2-40B4-BE49-F238E27FC236}">
-                <a16:creationId xmlns:a16="http://schemas.microsoft.com/office/drawing/2014/main" xmlns="" id="{0EF4FD4E-3E21-4CB1-B330-A8ACB18F55F6}"/>
+                <a16:creationId xmlns:a16="http://schemas.microsoft.com/office/drawing/2014/main" id="{0EF4FD4E-3E21-4CB1-B330-A8ACB18F55F6}"/>
               </a:ext>
             </a:extLst>
           </p:cNvPr>
@@ -12218,7 +12217,7 @@
           <p:cNvPr id="8" name="Gerade Verbindung mit Pfeil 7">
             <a:extLst>
               <a:ext uri="{FF2B5EF4-FFF2-40B4-BE49-F238E27FC236}">
-                <a16:creationId xmlns:a16="http://schemas.microsoft.com/office/drawing/2014/main" xmlns="" id="{2FD73A52-230C-4E8B-AF29-3A2D8125B341}"/>
+                <a16:creationId xmlns:a16="http://schemas.microsoft.com/office/drawing/2014/main" id="{2FD73A52-230C-4E8B-AF29-3A2D8125B341}"/>
               </a:ext>
             </a:extLst>
           </p:cNvPr>
@@ -12259,7 +12258,7 @@
           <p:cNvPr id="14" name="Ellipse 13">
             <a:extLst>
               <a:ext uri="{FF2B5EF4-FFF2-40B4-BE49-F238E27FC236}">
-                <a16:creationId xmlns:a16="http://schemas.microsoft.com/office/drawing/2014/main" xmlns="" id="{014C0FE7-FCF6-42B6-9F24-3A9B268610A7}"/>
+                <a16:creationId xmlns:a16="http://schemas.microsoft.com/office/drawing/2014/main" id="{014C0FE7-FCF6-42B6-9F24-3A9B268610A7}"/>
               </a:ext>
             </a:extLst>
           </p:cNvPr>
@@ -12307,7 +12306,7 @@
               <p:cNvPr id="15" name="Textfeld 14">
                 <a:extLst>
                   <a:ext uri="{FF2B5EF4-FFF2-40B4-BE49-F238E27FC236}">
-                    <a16:creationId xmlns:a16="http://schemas.microsoft.com/office/drawing/2014/main" xmlns="" id="{2F0E5031-05F3-450D-A2A0-52920973987B}"/>
+                    <a16:creationId xmlns:a16="http://schemas.microsoft.com/office/drawing/2014/main" id="{2F0E5031-05F3-450D-A2A0-52920973987B}"/>
                   </a:ext>
                 </a:extLst>
               </p:cNvPr>
@@ -12420,7 +12419,7 @@
           <p:cNvPr id="17" name="Ellipse 16">
             <a:extLst>
               <a:ext uri="{FF2B5EF4-FFF2-40B4-BE49-F238E27FC236}">
-                <a16:creationId xmlns:a16="http://schemas.microsoft.com/office/drawing/2014/main" xmlns="" id="{5F9B91BE-EFDC-4E11-AA61-57A952F8B21D}"/>
+                <a16:creationId xmlns:a16="http://schemas.microsoft.com/office/drawing/2014/main" id="{5F9B91BE-EFDC-4E11-AA61-57A952F8B21D}"/>
               </a:ext>
             </a:extLst>
           </p:cNvPr>
@@ -12466,7 +12465,7 @@
           <p:cNvPr id="18" name="Ellipse 17">
             <a:extLst>
               <a:ext uri="{FF2B5EF4-FFF2-40B4-BE49-F238E27FC236}">
-                <a16:creationId xmlns:a16="http://schemas.microsoft.com/office/drawing/2014/main" xmlns="" id="{CF094B5C-FF10-4A89-BA67-8729160065C0}"/>
+                <a16:creationId xmlns:a16="http://schemas.microsoft.com/office/drawing/2014/main" id="{CF094B5C-FF10-4A89-BA67-8729160065C0}"/>
               </a:ext>
             </a:extLst>
           </p:cNvPr>
@@ -12512,7 +12511,7 @@
           <p:cNvPr id="25" name="Freihandform: Form 24">
             <a:extLst>
               <a:ext uri="{FF2B5EF4-FFF2-40B4-BE49-F238E27FC236}">
-                <a16:creationId xmlns:a16="http://schemas.microsoft.com/office/drawing/2014/main" xmlns="" id="{C3AC4A48-822B-4864-A874-5676275251F1}"/>
+                <a16:creationId xmlns:a16="http://schemas.microsoft.com/office/drawing/2014/main" id="{C3AC4A48-822B-4864-A874-5676275251F1}"/>
               </a:ext>
             </a:extLst>
           </p:cNvPr>
@@ -12644,7 +12643,7 @@
           <p:cNvPr id="27" name="Gerade Verbindung mit Pfeil 26">
             <a:extLst>
               <a:ext uri="{FF2B5EF4-FFF2-40B4-BE49-F238E27FC236}">
-                <a16:creationId xmlns:a16="http://schemas.microsoft.com/office/drawing/2014/main" xmlns="" id="{2262EA05-A3D0-4DA0-9E73-556E194AF24D}"/>
+                <a16:creationId xmlns:a16="http://schemas.microsoft.com/office/drawing/2014/main" id="{2262EA05-A3D0-4DA0-9E73-556E194AF24D}"/>
               </a:ext>
             </a:extLst>
           </p:cNvPr>
@@ -12686,7 +12685,7 @@
           <p:cNvPr id="31" name="Gerade Verbindung mit Pfeil 30">
             <a:extLst>
               <a:ext uri="{FF2B5EF4-FFF2-40B4-BE49-F238E27FC236}">
-                <a16:creationId xmlns:a16="http://schemas.microsoft.com/office/drawing/2014/main" xmlns="" id="{EB8F3D3A-8533-4EDD-9B3F-3ECC44B2169F}"/>
+                <a16:creationId xmlns:a16="http://schemas.microsoft.com/office/drawing/2014/main" id="{EB8F3D3A-8533-4EDD-9B3F-3ECC44B2169F}"/>
               </a:ext>
             </a:extLst>
           </p:cNvPr>
@@ -12734,7 +12733,7 @@
           <p:cNvPr id="33" name="Gerade Verbindung mit Pfeil 32">
             <a:extLst>
               <a:ext uri="{FF2B5EF4-FFF2-40B4-BE49-F238E27FC236}">
-                <a16:creationId xmlns:a16="http://schemas.microsoft.com/office/drawing/2014/main" xmlns="" id="{686EA2D8-1A25-42DE-8EAC-591BB6C289E6}"/>
+                <a16:creationId xmlns:a16="http://schemas.microsoft.com/office/drawing/2014/main" id="{686EA2D8-1A25-42DE-8EAC-591BB6C289E6}"/>
               </a:ext>
             </a:extLst>
           </p:cNvPr>
@@ -12783,7 +12782,7 @@
               <p:cNvPr id="37" name="Textfeld 36">
                 <a:extLst>
                   <a:ext uri="{FF2B5EF4-FFF2-40B4-BE49-F238E27FC236}">
-                    <a16:creationId xmlns:a16="http://schemas.microsoft.com/office/drawing/2014/main" xmlns="" id="{078FA9EF-7847-449C-BD5E-CA99E9553822}"/>
+                    <a16:creationId xmlns:a16="http://schemas.microsoft.com/office/drawing/2014/main" id="{078FA9EF-7847-449C-BD5E-CA99E9553822}"/>
                   </a:ext>
                 </a:extLst>
               </p:cNvPr>
@@ -12916,7 +12915,7 @@
               <p:cNvPr id="38" name="Textfeld 37">
                 <a:extLst>
                   <a:ext uri="{FF2B5EF4-FFF2-40B4-BE49-F238E27FC236}">
-                    <a16:creationId xmlns:a16="http://schemas.microsoft.com/office/drawing/2014/main" xmlns="" id="{531D7BDE-D45E-4FC7-B04A-10D89C9DEB83}"/>
+                    <a16:creationId xmlns:a16="http://schemas.microsoft.com/office/drawing/2014/main" id="{531D7BDE-D45E-4FC7-B04A-10D89C9DEB83}"/>
                   </a:ext>
                 </a:extLst>
               </p:cNvPr>
@@ -13043,7 +13042,7 @@
               <p:cNvPr id="39" name="Textfeld 38">
                 <a:extLst>
                   <a:ext uri="{FF2B5EF4-FFF2-40B4-BE49-F238E27FC236}">
-                    <a16:creationId xmlns:a16="http://schemas.microsoft.com/office/drawing/2014/main" xmlns="" id="{3BD7C934-E4FF-4280-8548-C76C969776F3}"/>
+                    <a16:creationId xmlns:a16="http://schemas.microsoft.com/office/drawing/2014/main" id="{3BD7C934-E4FF-4280-8548-C76C969776F3}"/>
                   </a:ext>
                 </a:extLst>
               </p:cNvPr>
@@ -13158,7 +13157,7 @@
               <p:cNvPr id="41" name="Textfeld 40">
                 <a:extLst>
                   <a:ext uri="{FF2B5EF4-FFF2-40B4-BE49-F238E27FC236}">
-                    <a16:creationId xmlns:a16="http://schemas.microsoft.com/office/drawing/2014/main" xmlns="" id="{3F96CD39-0C6A-450E-BF33-ACFA1D6F85FE}"/>
+                    <a16:creationId xmlns:a16="http://schemas.microsoft.com/office/drawing/2014/main" id="{3F96CD39-0C6A-450E-BF33-ACFA1D6F85FE}"/>
                   </a:ext>
                 </a:extLst>
               </p:cNvPr>
@@ -13271,7 +13270,7 @@
           <p:cNvPr id="43" name="Gerade Verbindung mit Pfeil 42">
             <a:extLst>
               <a:ext uri="{FF2B5EF4-FFF2-40B4-BE49-F238E27FC236}">
-                <a16:creationId xmlns:a16="http://schemas.microsoft.com/office/drawing/2014/main" xmlns="" id="{09F2E85B-FE72-40EA-ABE9-3985130B40F0}"/>
+                <a16:creationId xmlns:a16="http://schemas.microsoft.com/office/drawing/2014/main" id="{09F2E85B-FE72-40EA-ABE9-3985130B40F0}"/>
               </a:ext>
             </a:extLst>
           </p:cNvPr>
@@ -13313,7 +13312,7 @@
           <p:cNvPr id="50" name="Gerade Verbindung mit Pfeil 49">
             <a:extLst>
               <a:ext uri="{FF2B5EF4-FFF2-40B4-BE49-F238E27FC236}">
-                <a16:creationId xmlns:a16="http://schemas.microsoft.com/office/drawing/2014/main" xmlns="" id="{921C31EB-A9F0-4675-BF41-D0D1F79B774A}"/>
+                <a16:creationId xmlns:a16="http://schemas.microsoft.com/office/drawing/2014/main" id="{921C31EB-A9F0-4675-BF41-D0D1F79B774A}"/>
               </a:ext>
             </a:extLst>
           </p:cNvPr>
@@ -13355,7 +13354,7 @@
           <p:cNvPr id="53" name="Gerade Verbindung mit Pfeil 52">
             <a:extLst>
               <a:ext uri="{FF2B5EF4-FFF2-40B4-BE49-F238E27FC236}">
-                <a16:creationId xmlns:a16="http://schemas.microsoft.com/office/drawing/2014/main" xmlns="" id="{5A7A9BD2-0A8E-41CE-ACCC-DBBB81EC3E4B}"/>
+                <a16:creationId xmlns:a16="http://schemas.microsoft.com/office/drawing/2014/main" id="{5A7A9BD2-0A8E-41CE-ACCC-DBBB81EC3E4B}"/>
               </a:ext>
             </a:extLst>
           </p:cNvPr>
@@ -13397,7 +13396,7 @@
           <p:cNvPr id="55" name="Gerade Verbindung mit Pfeil 54">
             <a:extLst>
               <a:ext uri="{FF2B5EF4-FFF2-40B4-BE49-F238E27FC236}">
-                <a16:creationId xmlns:a16="http://schemas.microsoft.com/office/drawing/2014/main" xmlns="" id="{7BE7C815-9BD8-45FB-B246-3EF13E281A8B}"/>
+                <a16:creationId xmlns:a16="http://schemas.microsoft.com/office/drawing/2014/main" id="{7BE7C815-9BD8-45FB-B246-3EF13E281A8B}"/>
               </a:ext>
             </a:extLst>
           </p:cNvPr>
@@ -13438,7 +13437,7 @@
           <p:cNvPr id="57" name="Gerade Verbindung mit Pfeil 56">
             <a:extLst>
               <a:ext uri="{FF2B5EF4-FFF2-40B4-BE49-F238E27FC236}">
-                <a16:creationId xmlns:a16="http://schemas.microsoft.com/office/drawing/2014/main" xmlns="" id="{6FCBC802-73FB-4FF2-8896-4A8CEE70A1C6}"/>
+                <a16:creationId xmlns:a16="http://schemas.microsoft.com/office/drawing/2014/main" id="{6FCBC802-73FB-4FF2-8896-4A8CEE70A1C6}"/>
               </a:ext>
             </a:extLst>
           </p:cNvPr>
@@ -13488,7 +13487,7 @@
               <p:cNvPr id="62" name="Textfeld 61">
                 <a:extLst>
                   <a:ext uri="{FF2B5EF4-FFF2-40B4-BE49-F238E27FC236}">
-                    <a16:creationId xmlns:a16="http://schemas.microsoft.com/office/drawing/2014/main" xmlns="" id="{AAFAE737-6542-4856-98AD-B23450AF6A59}"/>
+                    <a16:creationId xmlns:a16="http://schemas.microsoft.com/office/drawing/2014/main" id="{AAFAE737-6542-4856-98AD-B23450AF6A59}"/>
                   </a:ext>
                 </a:extLst>
               </p:cNvPr>
@@ -13665,7 +13664,7 @@
               <p:cNvPr id="63" name="Textfeld 62">
                 <a:extLst>
                   <a:ext uri="{FF2B5EF4-FFF2-40B4-BE49-F238E27FC236}">
-                    <a16:creationId xmlns:a16="http://schemas.microsoft.com/office/drawing/2014/main" xmlns="" id="{BD079805-98B8-4BBD-8602-3457B2413235}"/>
+                    <a16:creationId xmlns:a16="http://schemas.microsoft.com/office/drawing/2014/main" id="{BD079805-98B8-4BBD-8602-3457B2413235}"/>
                   </a:ext>
                 </a:extLst>
               </p:cNvPr>
@@ -13840,7 +13839,7 @@
           <p:cNvPr id="64" name="Gerade Verbindung mit Pfeil 63">
             <a:extLst>
               <a:ext uri="{FF2B5EF4-FFF2-40B4-BE49-F238E27FC236}">
-                <a16:creationId xmlns:a16="http://schemas.microsoft.com/office/drawing/2014/main" xmlns="" id="{B07AC4AF-A1BE-4F9D-855E-42F870418345}"/>
+                <a16:creationId xmlns:a16="http://schemas.microsoft.com/office/drawing/2014/main" id="{B07AC4AF-A1BE-4F9D-855E-42F870418345}"/>
               </a:ext>
             </a:extLst>
           </p:cNvPr>
@@ -13889,7 +13888,7 @@
               <p:cNvPr id="66" name="Textfeld 65">
                 <a:extLst>
                   <a:ext uri="{FF2B5EF4-FFF2-40B4-BE49-F238E27FC236}">
-                    <a16:creationId xmlns:a16="http://schemas.microsoft.com/office/drawing/2014/main" xmlns="" id="{E11FC8C0-150F-430B-86F4-50F8324CBFFF}"/>
+                    <a16:creationId xmlns:a16="http://schemas.microsoft.com/office/drawing/2014/main" id="{E11FC8C0-150F-430B-86F4-50F8324CBFFF}"/>
                   </a:ext>
                 </a:extLst>
               </p:cNvPr>
@@ -14064,7 +14063,7 @@
           <p:cNvPr id="67" name="Gerade Verbindung mit Pfeil 66">
             <a:extLst>
               <a:ext uri="{FF2B5EF4-FFF2-40B4-BE49-F238E27FC236}">
-                <a16:creationId xmlns:a16="http://schemas.microsoft.com/office/drawing/2014/main" xmlns="" id="{B6655BF5-66BD-4242-8DFD-8F896B2B564C}"/>
+                <a16:creationId xmlns:a16="http://schemas.microsoft.com/office/drawing/2014/main" id="{B6655BF5-66BD-4242-8DFD-8F896B2B564C}"/>
               </a:ext>
             </a:extLst>
           </p:cNvPr>
@@ -14113,7 +14112,7 @@
               <p:cNvPr id="69" name="Textfeld 68">
                 <a:extLst>
                   <a:ext uri="{FF2B5EF4-FFF2-40B4-BE49-F238E27FC236}">
-                    <a16:creationId xmlns:a16="http://schemas.microsoft.com/office/drawing/2014/main" xmlns="" id="{D61E703B-540A-4A01-8DA9-C41A7BBBBA6A}"/>
+                    <a16:creationId xmlns:a16="http://schemas.microsoft.com/office/drawing/2014/main" id="{D61E703B-540A-4A01-8DA9-C41A7BBBBA6A}"/>
                   </a:ext>
                 </a:extLst>
               </p:cNvPr>
@@ -14268,7 +14267,7 @@
           <p:cNvPr id="72" name="Textfeld 71">
             <a:extLst>
               <a:ext uri="{FF2B5EF4-FFF2-40B4-BE49-F238E27FC236}">
-                <a16:creationId xmlns:a16="http://schemas.microsoft.com/office/drawing/2014/main" xmlns="" id="{85FBCA3C-E2EE-43CB-A6B6-E235CC0E1317}"/>
+                <a16:creationId xmlns:a16="http://schemas.microsoft.com/office/drawing/2014/main" id="{85FBCA3C-E2EE-43CB-A6B6-E235CC0E1317}"/>
               </a:ext>
             </a:extLst>
           </p:cNvPr>
@@ -14337,7 +14336,7 @@
               <p:cNvPr id="73" name="Textfeld 72">
                 <a:extLst>
                   <a:ext uri="{FF2B5EF4-FFF2-40B4-BE49-F238E27FC236}">
-                    <a16:creationId xmlns:a16="http://schemas.microsoft.com/office/drawing/2014/main" xmlns="" id="{79A33489-4037-4670-8AF2-724FFA09BC93}"/>
+                    <a16:creationId xmlns:a16="http://schemas.microsoft.com/office/drawing/2014/main" id="{79A33489-4037-4670-8AF2-724FFA09BC93}"/>
                   </a:ext>
                 </a:extLst>
               </p:cNvPr>
@@ -14452,7 +14451,7 @@
               <p:cNvPr id="74" name="Textfeld 73">
                 <a:extLst>
                   <a:ext uri="{FF2B5EF4-FFF2-40B4-BE49-F238E27FC236}">
-                    <a16:creationId xmlns:a16="http://schemas.microsoft.com/office/drawing/2014/main" xmlns="" id="{D44950D8-5944-419A-A4F9-125AB93969F5}"/>
+                    <a16:creationId xmlns:a16="http://schemas.microsoft.com/office/drawing/2014/main" id="{D44950D8-5944-419A-A4F9-125AB93969F5}"/>
                   </a:ext>
                 </a:extLst>
               </p:cNvPr>
@@ -14567,7 +14566,7 @@
               <p:cNvPr id="75" name="Textfeld 74">
                 <a:extLst>
                   <a:ext uri="{FF2B5EF4-FFF2-40B4-BE49-F238E27FC236}">
-                    <a16:creationId xmlns:a16="http://schemas.microsoft.com/office/drawing/2014/main" xmlns="" id="{0A240E59-8D71-4DA3-87E0-5A64486FAF9D}"/>
+                    <a16:creationId xmlns:a16="http://schemas.microsoft.com/office/drawing/2014/main" id="{0A240E59-8D71-4DA3-87E0-5A64486FAF9D}"/>
                   </a:ext>
                 </a:extLst>
               </p:cNvPr>
@@ -14680,7 +14679,7 @@
           <p:cNvPr id="76" name="Gerade Verbindung mit Pfeil 75">
             <a:extLst>
               <a:ext uri="{FF2B5EF4-FFF2-40B4-BE49-F238E27FC236}">
-                <a16:creationId xmlns:a16="http://schemas.microsoft.com/office/drawing/2014/main" xmlns="" id="{238BE3D5-B49E-4ADD-B4D1-7E46AF4A50E6}"/>
+                <a16:creationId xmlns:a16="http://schemas.microsoft.com/office/drawing/2014/main" id="{238BE3D5-B49E-4ADD-B4D1-7E46AF4A50E6}"/>
               </a:ext>
             </a:extLst>
           </p:cNvPr>
@@ -14722,7 +14721,7 @@
           <p:cNvPr id="79" name="Gerade Verbindung mit Pfeil 78">
             <a:extLst>
               <a:ext uri="{FF2B5EF4-FFF2-40B4-BE49-F238E27FC236}">
-                <a16:creationId xmlns:a16="http://schemas.microsoft.com/office/drawing/2014/main" xmlns="" id="{68351F8D-F7D4-4143-85AC-A384E5CE9FF2}"/>
+                <a16:creationId xmlns:a16="http://schemas.microsoft.com/office/drawing/2014/main" id="{68351F8D-F7D4-4143-85AC-A384E5CE9FF2}"/>
               </a:ext>
             </a:extLst>
           </p:cNvPr>
@@ -14765,7 +14764,7 @@
           <p:cNvPr id="82" name="Stern: 5 Zacken 81">
             <a:extLst>
               <a:ext uri="{FF2B5EF4-FFF2-40B4-BE49-F238E27FC236}">
-                <a16:creationId xmlns:a16="http://schemas.microsoft.com/office/drawing/2014/main" xmlns="" id="{D71B3DFB-EC83-4C34-99B7-4536E681C473}"/>
+                <a16:creationId xmlns:a16="http://schemas.microsoft.com/office/drawing/2014/main" id="{D71B3DFB-EC83-4C34-99B7-4536E681C473}"/>
               </a:ext>
             </a:extLst>
           </p:cNvPr>
@@ -14811,7 +14810,7 @@
           <p:cNvPr id="19" name="Ellipse 18">
             <a:extLst>
               <a:ext uri="{FF2B5EF4-FFF2-40B4-BE49-F238E27FC236}">
-                <a16:creationId xmlns:a16="http://schemas.microsoft.com/office/drawing/2014/main" xmlns="" id="{9F6E5D9F-3390-4806-84A0-1A6CF4307411}"/>
+                <a16:creationId xmlns:a16="http://schemas.microsoft.com/office/drawing/2014/main" id="{9F6E5D9F-3390-4806-84A0-1A6CF4307411}"/>
               </a:ext>
             </a:extLst>
           </p:cNvPr>
@@ -15793,7 +15792,7 @@
           <p:cNvPr id="2" name="Titel 1">
             <a:extLst>
               <a:ext uri="{FF2B5EF4-FFF2-40B4-BE49-F238E27FC236}">
-                <a16:creationId xmlns:a16="http://schemas.microsoft.com/office/drawing/2014/main" xmlns="" id="{406CFFC1-1F2E-4FCC-9A3F-AE73A32273B0}"/>
+                <a16:creationId xmlns:a16="http://schemas.microsoft.com/office/drawing/2014/main" id="{406CFFC1-1F2E-4FCC-9A3F-AE73A32273B0}"/>
               </a:ext>
             </a:extLst>
           </p:cNvPr>
@@ -15821,7 +15820,7 @@
           <p:cNvPr id="5" name="Inhaltsplatzhalter 4" descr="Ein Bild, das Text, Karte enthält.&#10;&#10;Automatisch generierte Beschreibung">
             <a:extLst>
               <a:ext uri="{FF2B5EF4-FFF2-40B4-BE49-F238E27FC236}">
-                <a16:creationId xmlns:a16="http://schemas.microsoft.com/office/drawing/2014/main" xmlns="" id="{41BFD04D-E415-49FA-A72F-C1DD4E156418}"/>
+                <a16:creationId xmlns:a16="http://schemas.microsoft.com/office/drawing/2014/main" id="{41BFD04D-E415-49FA-A72F-C1DD4E156418}"/>
               </a:ext>
             </a:extLst>
           </p:cNvPr>
@@ -15884,13 +15883,6 @@
   <p:clrMapOvr>
     <a:masterClrMapping/>
   </p:clrMapOvr>
-  <p:timing>
-    <p:tnLst>
-      <p:par>
-        <p:cTn id="1" dur="indefinite" restart="never" nodeType="tmRoot"/>
-      </p:par>
-    </p:tnLst>
-  </p:timing>
 </p:sld>
 </file>
 
@@ -15916,7 +15908,7 @@
           <p:cNvPr id="2" name="Textfeld 1">
             <a:extLst>
               <a:ext uri="{FF2B5EF4-FFF2-40B4-BE49-F238E27FC236}">
-                <a16:creationId xmlns:a16="http://schemas.microsoft.com/office/drawing/2014/main" xmlns="" id="{63B187C0-C636-4DF9-BEF3-02B7CAF8B31A}"/>
+                <a16:creationId xmlns:a16="http://schemas.microsoft.com/office/drawing/2014/main" id="{63B187C0-C636-4DF9-BEF3-02B7CAF8B31A}"/>
               </a:ext>
             </a:extLst>
           </p:cNvPr>
@@ -15987,13 +15979,6 @@
   <p:clrMapOvr>
     <a:masterClrMapping/>
   </p:clrMapOvr>
-  <p:timing>
-    <p:tnLst>
-      <p:par>
-        <p:cTn id="1" dur="indefinite" restart="never" nodeType="tmRoot"/>
-      </p:par>
-    </p:tnLst>
-  </p:timing>
 </p:sld>
 </file>
 
@@ -16019,7 +16004,7 @@
           <p:cNvPr id="2" name="Titel 1">
             <a:extLst>
               <a:ext uri="{FF2B5EF4-FFF2-40B4-BE49-F238E27FC236}">
-                <a16:creationId xmlns:a16="http://schemas.microsoft.com/office/drawing/2014/main" xmlns="" id="{A946177F-4B2C-44D6-BAC9-92959A63D816}"/>
+                <a16:creationId xmlns:a16="http://schemas.microsoft.com/office/drawing/2014/main" id="{A946177F-4B2C-44D6-BAC9-92959A63D816}"/>
               </a:ext>
             </a:extLst>
           </p:cNvPr>
@@ -16047,7 +16032,7 @@
           <p:cNvPr id="3" name="Inhaltsplatzhalter 2">
             <a:extLst>
               <a:ext uri="{FF2B5EF4-FFF2-40B4-BE49-F238E27FC236}">
-                <a16:creationId xmlns:a16="http://schemas.microsoft.com/office/drawing/2014/main" xmlns="" id="{3E8E3630-6F10-48F5-A08A-84D379C5FB25}"/>
+                <a16:creationId xmlns:a16="http://schemas.microsoft.com/office/drawing/2014/main" id="{3E8E3630-6F10-48F5-A08A-84D379C5FB25}"/>
               </a:ext>
             </a:extLst>
           </p:cNvPr>
@@ -16147,13 +16132,6 @@
   <p:clrMapOvr>
     <a:masterClrMapping/>
   </p:clrMapOvr>
-  <p:timing>
-    <p:tnLst>
-      <p:par>
-        <p:cTn id="1" dur="indefinite" restart="never" nodeType="tmRoot"/>
-      </p:par>
-    </p:tnLst>
-  </p:timing>
 </p:sld>
 </file>
 
@@ -16179,7 +16157,7 @@
           <p:cNvPr id="2" name="Titel 1">
             <a:extLst>
               <a:ext uri="{FF2B5EF4-FFF2-40B4-BE49-F238E27FC236}">
-                <a16:creationId xmlns:a16="http://schemas.microsoft.com/office/drawing/2014/main" xmlns="" id="{F1728863-B374-42BF-A93D-54E809BCF11C}"/>
+                <a16:creationId xmlns:a16="http://schemas.microsoft.com/office/drawing/2014/main" id="{F1728863-B374-42BF-A93D-54E809BCF11C}"/>
               </a:ext>
             </a:extLst>
           </p:cNvPr>
@@ -16209,7 +16187,7 @@
               <p:cNvPr id="3" name="Inhaltsplatzhalter 2">
                 <a:extLst>
                   <a:ext uri="{FF2B5EF4-FFF2-40B4-BE49-F238E27FC236}">
-                    <a16:creationId xmlns:a16="http://schemas.microsoft.com/office/drawing/2014/main" xmlns="" id="{5B4A198D-388F-443A-879A-2CA568653509}"/>
+                    <a16:creationId xmlns:a16="http://schemas.microsoft.com/office/drawing/2014/main" id="{5B4A198D-388F-443A-879A-2CA568653509}"/>
                   </a:ext>
                 </a:extLst>
               </p:cNvPr>
@@ -16660,13 +16638,6 @@
   <p:clrMapOvr>
     <a:masterClrMapping/>
   </p:clrMapOvr>
-  <p:timing>
-    <p:tnLst>
-      <p:par>
-        <p:cTn id="1" dur="indefinite" restart="never" nodeType="tmRoot"/>
-      </p:par>
-    </p:tnLst>
-  </p:timing>
 </p:sld>
 </file>
 
@@ -16692,7 +16663,7 @@
           <p:cNvPr id="2" name="Titel 1">
             <a:extLst>
               <a:ext uri="{FF2B5EF4-FFF2-40B4-BE49-F238E27FC236}">
-                <a16:creationId xmlns:a16="http://schemas.microsoft.com/office/drawing/2014/main" xmlns="" id="{AE3AAEDD-E44D-4735-A501-E4242C2B783F}"/>
+                <a16:creationId xmlns:a16="http://schemas.microsoft.com/office/drawing/2014/main" id="{AE3AAEDD-E44D-4735-A501-E4242C2B783F}"/>
               </a:ext>
             </a:extLst>
           </p:cNvPr>
@@ -16720,7 +16691,7 @@
           <p:cNvPr id="3" name="Inhaltsplatzhalter 2">
             <a:extLst>
               <a:ext uri="{FF2B5EF4-FFF2-40B4-BE49-F238E27FC236}">
-                <a16:creationId xmlns:a16="http://schemas.microsoft.com/office/drawing/2014/main" xmlns="" id="{85132FF6-5D44-4D83-941B-42CDC2ACB340}"/>
+                <a16:creationId xmlns:a16="http://schemas.microsoft.com/office/drawing/2014/main" id="{85132FF6-5D44-4D83-941B-42CDC2ACB340}"/>
               </a:ext>
             </a:extLst>
           </p:cNvPr>
@@ -16844,13 +16815,6 @@
   <p:clrMapOvr>
     <a:masterClrMapping/>
   </p:clrMapOvr>
-  <p:timing>
-    <p:tnLst>
-      <p:par>
-        <p:cTn id="1" dur="indefinite" restart="never" nodeType="tmRoot"/>
-      </p:par>
-    </p:tnLst>
-  </p:timing>
 </p:sld>
 </file>
 
@@ -16876,7 +16840,7 @@
           <p:cNvPr id="2" name="Textfeld 1">
             <a:extLst>
               <a:ext uri="{FF2B5EF4-FFF2-40B4-BE49-F238E27FC236}">
-                <a16:creationId xmlns:a16="http://schemas.microsoft.com/office/drawing/2014/main" xmlns="" id="{E8D65369-0BB6-4B8D-AB59-7C5E2BF8571D}"/>
+                <a16:creationId xmlns:a16="http://schemas.microsoft.com/office/drawing/2014/main" id="{E8D65369-0BB6-4B8D-AB59-7C5E2BF8571D}"/>
               </a:ext>
             </a:extLst>
           </p:cNvPr>
@@ -16939,13 +16903,6 @@
   <p:clrMapOvr>
     <a:masterClrMapping/>
   </p:clrMapOvr>
-  <p:timing>
-    <p:tnLst>
-      <p:par>
-        <p:cTn id="1" dur="indefinite" restart="never" nodeType="tmRoot"/>
-      </p:par>
-    </p:tnLst>
-  </p:timing>
 </p:sld>
 </file>
 
@@ -16971,7 +16928,7 @@
           <p:cNvPr id="2" name="Titel 1">
             <a:extLst>
               <a:ext uri="{FF2B5EF4-FFF2-40B4-BE49-F238E27FC236}">
-                <a16:creationId xmlns:a16="http://schemas.microsoft.com/office/drawing/2014/main" xmlns="" id="{E717D70C-2838-4A73-B529-89BC40A123AA}"/>
+                <a16:creationId xmlns:a16="http://schemas.microsoft.com/office/drawing/2014/main" id="{E717D70C-2838-4A73-B529-89BC40A123AA}"/>
               </a:ext>
             </a:extLst>
           </p:cNvPr>
@@ -16999,7 +16956,7 @@
           <p:cNvPr id="3" name="Inhaltsplatzhalter 2">
             <a:extLst>
               <a:ext uri="{FF2B5EF4-FFF2-40B4-BE49-F238E27FC236}">
-                <a16:creationId xmlns:a16="http://schemas.microsoft.com/office/drawing/2014/main" xmlns="" id="{B90872BD-90A5-4A6D-987E-395BF48837F2}"/>
+                <a16:creationId xmlns:a16="http://schemas.microsoft.com/office/drawing/2014/main" id="{B90872BD-90A5-4A6D-987E-395BF48837F2}"/>
               </a:ext>
             </a:extLst>
           </p:cNvPr>
@@ -17164,13 +17121,6 @@
   <p:clrMapOvr>
     <a:masterClrMapping/>
   </p:clrMapOvr>
-  <p:timing>
-    <p:tnLst>
-      <p:par>
-        <p:cTn id="1" dur="indefinite" restart="never" nodeType="tmRoot"/>
-      </p:par>
-    </p:tnLst>
-  </p:timing>
 </p:sld>
 </file>
 
@@ -17196,7 +17146,7 @@
           <p:cNvPr id="2" name="Textfeld 1">
             <a:extLst>
               <a:ext uri="{FF2B5EF4-FFF2-40B4-BE49-F238E27FC236}">
-                <a16:creationId xmlns:a16="http://schemas.microsoft.com/office/drawing/2014/main" xmlns="" id="{E8D65369-0BB6-4B8D-AB59-7C5E2BF8571D}"/>
+                <a16:creationId xmlns:a16="http://schemas.microsoft.com/office/drawing/2014/main" id="{E8D65369-0BB6-4B8D-AB59-7C5E2BF8571D}"/>
               </a:ext>
             </a:extLst>
           </p:cNvPr>
@@ -17266,13 +17216,6 @@
   <p:clrMapOvr>
     <a:masterClrMapping/>
   </p:clrMapOvr>
-  <p:timing>
-    <p:tnLst>
-      <p:par>
-        <p:cTn id="1" dur="indefinite" restart="never" nodeType="tmRoot"/>
-      </p:par>
-    </p:tnLst>
-  </p:timing>
 </p:sld>
 </file>
 
@@ -17298,7 +17241,7 @@
           <p:cNvPr id="6" name="Grafik 5">
             <a:extLst>
               <a:ext uri="{FF2B5EF4-FFF2-40B4-BE49-F238E27FC236}">
-                <a16:creationId xmlns:a16="http://schemas.microsoft.com/office/drawing/2014/main" xmlns="" id="{7944C31D-C537-47E0-9432-4018BE054DB5}"/>
+                <a16:creationId xmlns:a16="http://schemas.microsoft.com/office/drawing/2014/main" id="{7944C31D-C537-47E0-9432-4018BE054DB5}"/>
               </a:ext>
             </a:extLst>
           </p:cNvPr>
@@ -17328,7 +17271,7 @@
           <p:cNvPr id="2" name="Titel 1">
             <a:extLst>
               <a:ext uri="{FF2B5EF4-FFF2-40B4-BE49-F238E27FC236}">
-                <a16:creationId xmlns:a16="http://schemas.microsoft.com/office/drawing/2014/main" xmlns="" id="{CB3AEFDA-080A-4F4B-B6EF-F660BA29B1D4}"/>
+                <a16:creationId xmlns:a16="http://schemas.microsoft.com/office/drawing/2014/main" id="{CB3AEFDA-080A-4F4B-B6EF-F660BA29B1D4}"/>
               </a:ext>
             </a:extLst>
           </p:cNvPr>
@@ -17358,7 +17301,7 @@
               <p:cNvPr id="5" name="Textfeld 4">
                 <a:extLst>
                   <a:ext uri="{FF2B5EF4-FFF2-40B4-BE49-F238E27FC236}">
-                    <a16:creationId xmlns:a16="http://schemas.microsoft.com/office/drawing/2014/main" xmlns="" id="{E3782390-F5B1-4604-BF86-2D1A26F2C6BB}"/>
+                    <a16:creationId xmlns:a16="http://schemas.microsoft.com/office/drawing/2014/main" id="{E3782390-F5B1-4604-BF86-2D1A26F2C6BB}"/>
                   </a:ext>
                 </a:extLst>
               </p:cNvPr>
@@ -17523,7 +17466,7 @@
           <p:cNvPr id="8" name="Textfeld 7">
             <a:extLst>
               <a:ext uri="{FF2B5EF4-FFF2-40B4-BE49-F238E27FC236}">
-                <a16:creationId xmlns:a16="http://schemas.microsoft.com/office/drawing/2014/main" xmlns="" id="{9A9EF480-B834-44A7-B751-860F4F9C7E8B}"/>
+                <a16:creationId xmlns:a16="http://schemas.microsoft.com/office/drawing/2014/main" id="{9A9EF480-B834-44A7-B751-860F4F9C7E8B}"/>
               </a:ext>
             </a:extLst>
           </p:cNvPr>
@@ -17586,13 +17529,6 @@
   <p:clrMapOvr>
     <a:masterClrMapping/>
   </p:clrMapOvr>
-  <p:timing>
-    <p:tnLst>
-      <p:par>
-        <p:cTn id="1" dur="indefinite" restart="never" nodeType="tmRoot"/>
-      </p:par>
-    </p:tnLst>
-  </p:timing>
 </p:sld>
 </file>
 
@@ -17618,7 +17554,7 @@
           <p:cNvPr id="7" name="Grafik 6">
             <a:extLst>
               <a:ext uri="{FF2B5EF4-FFF2-40B4-BE49-F238E27FC236}">
-                <a16:creationId xmlns:a16="http://schemas.microsoft.com/office/drawing/2014/main" xmlns="" id="{73E34D0B-E35D-4ED2-A428-5351806E80D0}"/>
+                <a16:creationId xmlns:a16="http://schemas.microsoft.com/office/drawing/2014/main" id="{73E34D0B-E35D-4ED2-A428-5351806E80D0}"/>
               </a:ext>
             </a:extLst>
           </p:cNvPr>
@@ -17648,7 +17584,7 @@
           <p:cNvPr id="2" name="Titel 1">
             <a:extLst>
               <a:ext uri="{FF2B5EF4-FFF2-40B4-BE49-F238E27FC236}">
-                <a16:creationId xmlns:a16="http://schemas.microsoft.com/office/drawing/2014/main" xmlns="" id="{F776A91C-2F55-4A34-A958-2E07FA93466B}"/>
+                <a16:creationId xmlns:a16="http://schemas.microsoft.com/office/drawing/2014/main" id="{F776A91C-2F55-4A34-A958-2E07FA93466B}"/>
               </a:ext>
             </a:extLst>
           </p:cNvPr>
@@ -17678,7 +17614,7 @@
               <p:cNvPr id="5" name="Textfeld 4">
                 <a:extLst>
                   <a:ext uri="{FF2B5EF4-FFF2-40B4-BE49-F238E27FC236}">
-                    <a16:creationId xmlns:a16="http://schemas.microsoft.com/office/drawing/2014/main" xmlns="" id="{F2028A3F-C171-44B5-8FD7-3EA20EEB43CE}"/>
+                    <a16:creationId xmlns:a16="http://schemas.microsoft.com/office/drawing/2014/main" id="{F2028A3F-C171-44B5-8FD7-3EA20EEB43CE}"/>
                   </a:ext>
                 </a:extLst>
               </p:cNvPr>
@@ -17845,7 +17781,7 @@
               <p:cNvPr id="6" name="Textfeld 5">
                 <a:extLst>
                   <a:ext uri="{FF2B5EF4-FFF2-40B4-BE49-F238E27FC236}">
-                    <a16:creationId xmlns:a16="http://schemas.microsoft.com/office/drawing/2014/main" xmlns="" id="{994AF172-00EE-4A68-A8D8-4DA1692F0F29}"/>
+                    <a16:creationId xmlns:a16="http://schemas.microsoft.com/office/drawing/2014/main" id="{994AF172-00EE-4A68-A8D8-4DA1692F0F29}"/>
                   </a:ext>
                 </a:extLst>
               </p:cNvPr>
@@ -17973,7 +17909,7 @@
           <p:cNvPr id="8" name="Textfeld 7">
             <a:extLst>
               <a:ext uri="{FF2B5EF4-FFF2-40B4-BE49-F238E27FC236}">
-                <a16:creationId xmlns:a16="http://schemas.microsoft.com/office/drawing/2014/main" xmlns="" id="{E0A3926D-AB6C-4400-8190-F4E4201C7FA5}"/>
+                <a16:creationId xmlns:a16="http://schemas.microsoft.com/office/drawing/2014/main" id="{E0A3926D-AB6C-4400-8190-F4E4201C7FA5}"/>
               </a:ext>
             </a:extLst>
           </p:cNvPr>
@@ -18036,13 +17972,6 @@
   <p:clrMapOvr>
     <a:masterClrMapping/>
   </p:clrMapOvr>
-  <p:timing>
-    <p:tnLst>
-      <p:par>
-        <p:cTn id="1" dur="indefinite" restart="never" nodeType="tmRoot"/>
-      </p:par>
-    </p:tnLst>
-  </p:timing>
 </p:sld>
 </file>
 
@@ -18068,7 +17997,7 @@
           <p:cNvPr id="4" name="Grafik 3">
             <a:extLst>
               <a:ext uri="{FF2B5EF4-FFF2-40B4-BE49-F238E27FC236}">
-                <a16:creationId xmlns:a16="http://schemas.microsoft.com/office/drawing/2014/main" xmlns="" id="{B53D92F0-4653-4AF6-A628-67333F687D28}"/>
+                <a16:creationId xmlns:a16="http://schemas.microsoft.com/office/drawing/2014/main" id="{B53D92F0-4653-4AF6-A628-67333F687D28}"/>
               </a:ext>
             </a:extLst>
           </p:cNvPr>
@@ -18098,7 +18027,7 @@
           <p:cNvPr id="2" name="Titel 1">
             <a:extLst>
               <a:ext uri="{FF2B5EF4-FFF2-40B4-BE49-F238E27FC236}">
-                <a16:creationId xmlns:a16="http://schemas.microsoft.com/office/drawing/2014/main" xmlns="" id="{6B07DC93-74A4-42E7-8D9F-A6EB5E11594F}"/>
+                <a16:creationId xmlns:a16="http://schemas.microsoft.com/office/drawing/2014/main" id="{6B07DC93-74A4-42E7-8D9F-A6EB5E11594F}"/>
               </a:ext>
             </a:extLst>
           </p:cNvPr>
@@ -18126,7 +18055,7 @@
           <p:cNvPr id="3" name="Inhaltsplatzhalter 2">
             <a:extLst>
               <a:ext uri="{FF2B5EF4-FFF2-40B4-BE49-F238E27FC236}">
-                <a16:creationId xmlns:a16="http://schemas.microsoft.com/office/drawing/2014/main" xmlns="" id="{3A92F2CB-18D0-4DAB-A52E-A07F6AF4EF33}"/>
+                <a16:creationId xmlns:a16="http://schemas.microsoft.com/office/drawing/2014/main" id="{3A92F2CB-18D0-4DAB-A52E-A07F6AF4EF33}"/>
               </a:ext>
             </a:extLst>
           </p:cNvPr>
@@ -18187,13 +18116,6 @@
   <p:clrMapOvr>
     <a:masterClrMapping/>
   </p:clrMapOvr>
-  <p:timing>
-    <p:tnLst>
-      <p:par>
-        <p:cTn id="1" dur="indefinite" restart="never" nodeType="tmRoot"/>
-      </p:par>
-    </p:tnLst>
-  </p:timing>
 </p:sld>
 </file>
 
@@ -18219,7 +18141,7 @@
           <p:cNvPr id="4" name="Grafik 3">
             <a:extLst>
               <a:ext uri="{FF2B5EF4-FFF2-40B4-BE49-F238E27FC236}">
-                <a16:creationId xmlns:a16="http://schemas.microsoft.com/office/drawing/2014/main" xmlns="" id="{FE363B70-7D7C-4F67-BD36-9F56552D8FCC}"/>
+                <a16:creationId xmlns:a16="http://schemas.microsoft.com/office/drawing/2014/main" id="{FE363B70-7D7C-4F67-BD36-9F56552D8FCC}"/>
               </a:ext>
             </a:extLst>
           </p:cNvPr>
@@ -18249,7 +18171,7 @@
           <p:cNvPr id="2" name="Titel 1">
             <a:extLst>
               <a:ext uri="{FF2B5EF4-FFF2-40B4-BE49-F238E27FC236}">
-                <a16:creationId xmlns:a16="http://schemas.microsoft.com/office/drawing/2014/main" xmlns="" id="{77FCCA17-28E7-4D3B-8465-7DA8A95D586C}"/>
+                <a16:creationId xmlns:a16="http://schemas.microsoft.com/office/drawing/2014/main" id="{77FCCA17-28E7-4D3B-8465-7DA8A95D586C}"/>
               </a:ext>
             </a:extLst>
           </p:cNvPr>
@@ -18277,7 +18199,7 @@
           <p:cNvPr id="3" name="Inhaltsplatzhalter 2">
             <a:extLst>
               <a:ext uri="{FF2B5EF4-FFF2-40B4-BE49-F238E27FC236}">
-                <a16:creationId xmlns:a16="http://schemas.microsoft.com/office/drawing/2014/main" xmlns="" id="{A6E43457-BBEE-4989-B75D-9CFD6E1077C0}"/>
+                <a16:creationId xmlns:a16="http://schemas.microsoft.com/office/drawing/2014/main" id="{A6E43457-BBEE-4989-B75D-9CFD6E1077C0}"/>
               </a:ext>
             </a:extLst>
           </p:cNvPr>
@@ -18363,13 +18285,6 @@
   <p:clrMapOvr>
     <a:masterClrMapping/>
   </p:clrMapOvr>
-  <p:timing>
-    <p:tnLst>
-      <p:par>
-        <p:cTn id="1" dur="indefinite" restart="never" nodeType="tmRoot"/>
-      </p:par>
-    </p:tnLst>
-  </p:timing>
 </p:sld>
 </file>
 
@@ -18395,7 +18310,7 @@
           <p:cNvPr id="4" name="Grafik 3">
             <a:extLst>
               <a:ext uri="{FF2B5EF4-FFF2-40B4-BE49-F238E27FC236}">
-                <a16:creationId xmlns:a16="http://schemas.microsoft.com/office/drawing/2014/main" xmlns="" id="{6C682E71-EFD0-478E-B6EC-FBD1FDE2577C}"/>
+                <a16:creationId xmlns:a16="http://schemas.microsoft.com/office/drawing/2014/main" id="{6C682E71-EFD0-478E-B6EC-FBD1FDE2577C}"/>
               </a:ext>
             </a:extLst>
           </p:cNvPr>
@@ -18425,7 +18340,7 @@
           <p:cNvPr id="2" name="Titel 1">
             <a:extLst>
               <a:ext uri="{FF2B5EF4-FFF2-40B4-BE49-F238E27FC236}">
-                <a16:creationId xmlns:a16="http://schemas.microsoft.com/office/drawing/2014/main" xmlns="" id="{1D7E0ACF-991B-4FE0-9DB0-70DCCBC8A0DB}"/>
+                <a16:creationId xmlns:a16="http://schemas.microsoft.com/office/drawing/2014/main" id="{1D7E0ACF-991B-4FE0-9DB0-70DCCBC8A0DB}"/>
               </a:ext>
             </a:extLst>
           </p:cNvPr>
@@ -18453,7 +18368,7 @@
           <p:cNvPr id="3" name="Inhaltsplatzhalter 2">
             <a:extLst>
               <a:ext uri="{FF2B5EF4-FFF2-40B4-BE49-F238E27FC236}">
-                <a16:creationId xmlns:a16="http://schemas.microsoft.com/office/drawing/2014/main" xmlns="" id="{FE51EEFC-8D8F-40AE-9A38-677518DB16F7}"/>
+                <a16:creationId xmlns:a16="http://schemas.microsoft.com/office/drawing/2014/main" id="{FE51EEFC-8D8F-40AE-9A38-677518DB16F7}"/>
               </a:ext>
             </a:extLst>
           </p:cNvPr>
@@ -18533,13 +18448,6 @@
   <p:clrMapOvr>
     <a:masterClrMapping/>
   </p:clrMapOvr>
-  <p:timing>
-    <p:tnLst>
-      <p:par>
-        <p:cTn id="1" dur="indefinite" restart="never" nodeType="tmRoot"/>
-      </p:par>
-    </p:tnLst>
-  </p:timing>
 </p:sld>
 </file>
 
@@ -18565,7 +18473,7 @@
           <p:cNvPr id="2" name="Titel 1">
             <a:extLst>
               <a:ext uri="{FF2B5EF4-FFF2-40B4-BE49-F238E27FC236}">
-                <a16:creationId xmlns:a16="http://schemas.microsoft.com/office/drawing/2014/main" xmlns="" id="{2BBBB310-2A5C-44B8-BFF9-07AF0AD489C7}"/>
+                <a16:creationId xmlns:a16="http://schemas.microsoft.com/office/drawing/2014/main" id="{2BBBB310-2A5C-44B8-BFF9-07AF0AD489C7}"/>
               </a:ext>
             </a:extLst>
           </p:cNvPr>
@@ -18593,7 +18501,7 @@
           <p:cNvPr id="4" name="Grafik 3">
             <a:extLst>
               <a:ext uri="{FF2B5EF4-FFF2-40B4-BE49-F238E27FC236}">
-                <a16:creationId xmlns:a16="http://schemas.microsoft.com/office/drawing/2014/main" xmlns="" id="{9E5B9982-6225-4186-98E6-DF3335EBBE65}"/>
+                <a16:creationId xmlns:a16="http://schemas.microsoft.com/office/drawing/2014/main" id="{9E5B9982-6225-4186-98E6-DF3335EBBE65}"/>
               </a:ext>
             </a:extLst>
           </p:cNvPr>
@@ -18629,7 +18537,7 @@
           <p:cNvPr id="5" name="Grafik 4">
             <a:extLst>
               <a:ext uri="{FF2B5EF4-FFF2-40B4-BE49-F238E27FC236}">
-                <a16:creationId xmlns:a16="http://schemas.microsoft.com/office/drawing/2014/main" xmlns="" id="{1456A0D1-F21B-418D-8511-080281F6D257}"/>
+                <a16:creationId xmlns:a16="http://schemas.microsoft.com/office/drawing/2014/main" id="{1456A0D1-F21B-418D-8511-080281F6D257}"/>
               </a:ext>
             </a:extLst>
           </p:cNvPr>
@@ -18693,13 +18601,6 @@
   <p:clrMapOvr>
     <a:masterClrMapping/>
   </p:clrMapOvr>
-  <p:timing>
-    <p:tnLst>
-      <p:par>
-        <p:cTn id="1" dur="indefinite" restart="never" nodeType="tmRoot"/>
-      </p:par>
-    </p:tnLst>
-  </p:timing>
 </p:sld>
 </file>
 
